--- a/図/使用した光学系.pptx
+++ b/図/使用した光学系.pptx
@@ -7,6 +7,8 @@
   <p:sldIdLst>
     <p:sldId id="256" r:id="rId2"/>
     <p:sldId id="257" r:id="rId3"/>
+    <p:sldId id="258" r:id="rId4"/>
+    <p:sldId id="259" r:id="rId5"/>
   </p:sldIdLst>
   <p:sldSz cx="12192000" cy="6858000"/>
   <p:notesSz cx="6858000" cy="9144000"/>
@@ -105,6 +107,11 @@
       </a:defRPr>
     </a:lvl9pPr>
   </p:defaultTextStyle>
+  <p:extLst>
+    <p:ext uri="{EFAFB233-063F-42B5-8137-9DF3F51BA10A}">
+      <p15:sldGuideLst xmlns:p15="http://schemas.microsoft.com/office/powerpoint/2012/main"/>
+    </p:ext>
+  </p:extLst>
 </p:presentation>
 </file>
 
@@ -3926,7 +3933,7 @@
         <p:spPr>
           <a:xfrm>
             <a:off x="217715" y="1114697"/>
-            <a:ext cx="1724298" cy="338554"/>
+            <a:ext cx="1789318" cy="338554"/>
           </a:xfrm>
           <a:prstGeom prst="rect">
             <a:avLst/>
@@ -3941,7 +3948,11 @@
           <a:p>
             <a:r>
               <a:rPr lang="en-US" altLang="ja-JP" sz="1600" dirty="0" smtClean="0"/>
-              <a:t>a.800nm</a:t>
+              <a:t>(a)</a:t>
+            </a:r>
+            <a:r>
+              <a:rPr lang="en-US" altLang="ja-JP" sz="1600" dirty="0" smtClean="0"/>
+              <a:t>800nm</a:t>
             </a:r>
             <a:r>
               <a:rPr lang="ja-JP" altLang="en-US" sz="1600" dirty="0" smtClean="0"/>
@@ -4006,7 +4017,7 @@
         <p:spPr>
           <a:xfrm>
             <a:off x="2063935" y="1114697"/>
-            <a:ext cx="1271448" cy="338554"/>
+            <a:ext cx="1374590" cy="338554"/>
           </a:xfrm>
           <a:prstGeom prst="rect">
             <a:avLst/>
@@ -4020,8 +4031,12 @@
           <a:lstStyle/>
           <a:p>
             <a:r>
+              <a:rPr lang="en-US" altLang="ja-JP" sz="1600" dirty="0" smtClean="0"/>
+              <a:t>(b)</a:t>
+            </a:r>
+            <a:r>
               <a:rPr kumimoji="1" lang="en-US" altLang="ja-JP" sz="1600" dirty="0" smtClean="0"/>
-              <a:t>b.1/4</a:t>
+              <a:t>1/4</a:t>
             </a:r>
             <a:r>
               <a:rPr kumimoji="1" lang="ja-JP" altLang="en-US" sz="1600" dirty="0" smtClean="0"/>
@@ -4085,8 +4100,8 @@
         </p:nvSpPr>
         <p:spPr>
           <a:xfrm>
-            <a:off x="3361509" y="1114697"/>
-            <a:ext cx="1271448" cy="338554"/>
+            <a:off x="3241931" y="1125588"/>
+            <a:ext cx="1338634" cy="338554"/>
           </a:xfrm>
           <a:prstGeom prst="rect">
             <a:avLst/>
@@ -4100,12 +4115,16 @@
           <a:lstStyle/>
           <a:p>
             <a:r>
-              <a:rPr kumimoji="1" lang="en-US" altLang="ja-JP" sz="1600" dirty="0" err="1" smtClean="0"/>
-              <a:t>c.fused</a:t>
+              <a:rPr lang="en-US" altLang="ja-JP" sz="1600" dirty="0" smtClean="0"/>
+              <a:t>(c)</a:t>
             </a:r>
             <a:r>
               <a:rPr kumimoji="1" lang="en-US" altLang="ja-JP" sz="1600" dirty="0" smtClean="0"/>
-              <a:t> silica</a:t>
+              <a:t>fused </a:t>
+            </a:r>
+            <a:r>
+              <a:rPr kumimoji="1" lang="en-US" altLang="ja-JP" sz="1600" dirty="0" smtClean="0"/>
+              <a:t>silica</a:t>
             </a:r>
           </a:p>
         </p:txBody>
@@ -4263,8 +4282,8 @@
         </p:nvSpPr>
         <p:spPr>
           <a:xfrm>
-            <a:off x="4286340" y="868476"/>
-            <a:ext cx="1369286" cy="584775"/>
+            <a:off x="4249472" y="868476"/>
+            <a:ext cx="1443024" cy="584775"/>
           </a:xfrm>
           <a:prstGeom prst="rect">
             <a:avLst/>
@@ -4279,12 +4298,16 @@
           <a:p>
             <a:pPr algn="ctr"/>
             <a:r>
-              <a:rPr kumimoji="1" lang="en-US" altLang="ja-JP" sz="1600" dirty="0" smtClean="0"/>
-              <a:t>d.</a:t>
+              <a:rPr lang="en-US" altLang="ja-JP" sz="1600" dirty="0" smtClean="0"/>
+              <a:t>(d)</a:t>
             </a:r>
             <a:r>
               <a:rPr kumimoji="1" lang="ja-JP" altLang="en-US" sz="1600" dirty="0" smtClean="0"/>
-              <a:t>非線形結晶</a:t>
+              <a:t>非線形</a:t>
+            </a:r>
+            <a:r>
+              <a:rPr kumimoji="1" lang="ja-JP" altLang="en-US" sz="1600" dirty="0" smtClean="0"/>
+              <a:t>結晶</a:t>
             </a:r>
             <a:endParaRPr kumimoji="1" lang="en-US" altLang="ja-JP" sz="1600" dirty="0" smtClean="0"/>
           </a:p>
@@ -4352,8 +4375,8 @@
         </p:nvSpPr>
         <p:spPr>
           <a:xfrm>
-            <a:off x="6895272" y="1110864"/>
-            <a:ext cx="1271448" cy="338554"/>
+            <a:off x="6895271" y="1110864"/>
+            <a:ext cx="1553403" cy="338554"/>
           </a:xfrm>
           <a:prstGeom prst="rect">
             <a:avLst/>
@@ -4367,12 +4390,12 @@
           <a:lstStyle/>
           <a:p>
             <a:r>
-              <a:rPr kumimoji="1" lang="en-US" altLang="ja-JP" sz="1600" dirty="0" smtClean="0"/>
-              <a:t>f. </a:t>
-            </a:r>
-            <a:r>
               <a:rPr lang="en-US" altLang="ja-JP" sz="1600" dirty="0" smtClean="0"/>
-              <a:t>Kr</a:t>
+              <a:t>(f)</a:t>
+            </a:r>
+            <a:r>
+              <a:rPr lang="ja-JP" altLang="en-US" sz="1600" dirty="0"/>
+              <a:t>クリプトン</a:t>
             </a:r>
             <a:r>
               <a:rPr lang="ja-JP" altLang="en-US" sz="1600" dirty="0" smtClean="0"/>
@@ -4501,8 +4524,8 @@
         </p:nvSpPr>
         <p:spPr>
           <a:xfrm>
-            <a:off x="5712528" y="1110864"/>
-            <a:ext cx="1271448" cy="338554"/>
+            <a:off x="5712527" y="1110864"/>
+            <a:ext cx="1326447" cy="338554"/>
           </a:xfrm>
           <a:prstGeom prst="rect">
             <a:avLst/>
@@ -4516,8 +4539,8 @@
           <a:lstStyle/>
           <a:p>
             <a:r>
-              <a:rPr kumimoji="1" lang="en-US" altLang="ja-JP" sz="1600" dirty="0" smtClean="0"/>
-              <a:t>e.</a:t>
+              <a:rPr lang="en-US" altLang="ja-JP" sz="1600" dirty="0" smtClean="0"/>
+              <a:t>(e)</a:t>
             </a:r>
             <a:r>
               <a:rPr kumimoji="1" lang="ja-JP" altLang="en-US" sz="1600" dirty="0" smtClean="0"/>
@@ -4581,8 +4604,8 @@
         </p:nvSpPr>
         <p:spPr>
           <a:xfrm>
-            <a:off x="8539984" y="2774628"/>
-            <a:ext cx="946736" cy="338554"/>
+            <a:off x="8220806" y="2795322"/>
+            <a:ext cx="1585092" cy="338554"/>
           </a:xfrm>
           <a:prstGeom prst="rect">
             <a:avLst/>
@@ -4596,20 +4619,16 @@
           <a:lstStyle/>
           <a:p>
             <a:r>
-              <a:rPr lang="en-US" altLang="ja-JP" sz="1600" dirty="0"/>
-              <a:t>h</a:t>
+              <a:rPr lang="en-US" altLang="ja-JP" sz="1600" dirty="0" smtClean="0"/>
+              <a:t>(h)</a:t>
             </a:r>
             <a:r>
               <a:rPr kumimoji="1" lang="en-US" altLang="ja-JP" sz="1600" dirty="0" smtClean="0"/>
-              <a:t>. </a:t>
-            </a:r>
-            <a:r>
-              <a:rPr kumimoji="1" lang="en-US" altLang="ja-JP" sz="1600" dirty="0" err="1" smtClean="0"/>
-              <a:t>Ar</a:t>
+              <a:t> </a:t>
             </a:r>
             <a:r>
               <a:rPr kumimoji="1" lang="ja-JP" altLang="en-US" sz="1600" dirty="0" smtClean="0"/>
-              <a:t>ガス</a:t>
+              <a:t>アルゴンガス</a:t>
             </a:r>
             <a:endParaRPr kumimoji="1" lang="en-US" altLang="ja-JP" sz="1600" dirty="0" smtClean="0"/>
           </a:p>
@@ -4733,7 +4752,7 @@
         <p:spPr>
           <a:xfrm>
             <a:off x="6275654" y="3966302"/>
-            <a:ext cx="1724298" cy="338554"/>
+            <a:ext cx="1799612" cy="338554"/>
           </a:xfrm>
           <a:prstGeom prst="rect">
             <a:avLst/>
@@ -4747,12 +4766,16 @@
           <a:lstStyle/>
           <a:p>
             <a:r>
+              <a:rPr lang="en-US" altLang="ja-JP" sz="1600" dirty="0" smtClean="0"/>
+              <a:t>(g)</a:t>
+            </a:r>
+            <a:r>
               <a:rPr lang="en-US" altLang="ja-JP" sz="1600" dirty="0"/>
-              <a:t>g</a:t>
+              <a:t>8</a:t>
             </a:r>
             <a:r>
               <a:rPr lang="en-US" altLang="ja-JP" sz="1600" dirty="0" smtClean="0"/>
-              <a:t>.400nm</a:t>
+              <a:t>00nm</a:t>
             </a:r>
             <a:r>
               <a:rPr lang="ja-JP" altLang="en-US" sz="1600" dirty="0" smtClean="0"/>
@@ -4936,12 +4959,16 @@
           <a:lstStyle/>
           <a:p>
             <a:r>
+              <a:rPr lang="en-US" altLang="ja-JP" sz="1600" dirty="0" smtClean="0"/>
+              <a:t>(</a:t>
+            </a:r>
+            <a:r>
               <a:rPr lang="en-US" altLang="ja-JP" sz="1600" dirty="0" err="1" smtClean="0"/>
               <a:t>i</a:t>
             </a:r>
             <a:r>
               <a:rPr lang="en-US" altLang="ja-JP" sz="1600" dirty="0" smtClean="0"/>
-              <a:t>. </a:t>
+              <a:t>)</a:t>
             </a:r>
             <a:r>
               <a:rPr lang="ja-JP" altLang="en-US" sz="1600" dirty="0" smtClean="0"/>
@@ -5019,10 +5046,1474 @@
           </a:p>
         </p:txBody>
       </p:sp>
+      <p:cxnSp>
+        <p:nvCxnSpPr>
+          <p:cNvPr id="3" name="直線矢印コネクタ 2"/>
+          <p:cNvCxnSpPr>
+            <a:stCxn id="5" idx="6"/>
+          </p:cNvCxnSpPr>
+          <p:nvPr/>
+        </p:nvCxnSpPr>
+        <p:spPr>
+          <a:xfrm>
+            <a:off x="761578" y="3914836"/>
+            <a:ext cx="674229" cy="0"/>
+          </a:xfrm>
+          <a:prstGeom prst="straightConnector1">
+            <a:avLst/>
+          </a:prstGeom>
+          <a:ln>
+            <a:tailEnd type="triangle"/>
+          </a:ln>
+        </p:spPr>
+        <p:style>
+          <a:lnRef idx="1">
+            <a:schemeClr val="dk1"/>
+          </a:lnRef>
+          <a:fillRef idx="0">
+            <a:schemeClr val="dk1"/>
+          </a:fillRef>
+          <a:effectRef idx="0">
+            <a:schemeClr val="dk1"/>
+          </a:effectRef>
+          <a:fontRef idx="minor">
+            <a:schemeClr val="tx1"/>
+          </a:fontRef>
+        </p:style>
+      </p:cxnSp>
+      <p:cxnSp>
+        <p:nvCxnSpPr>
+          <p:cNvPr id="36" name="直線矢印コネクタ 35"/>
+          <p:cNvCxnSpPr>
+            <a:stCxn id="5" idx="0"/>
+          </p:cNvCxnSpPr>
+          <p:nvPr/>
+        </p:nvCxnSpPr>
+        <p:spPr>
+          <a:xfrm flipV="1">
+            <a:off x="664556" y="3133876"/>
+            <a:ext cx="0" cy="683938"/>
+          </a:xfrm>
+          <a:prstGeom prst="straightConnector1">
+            <a:avLst/>
+          </a:prstGeom>
+          <a:ln>
+            <a:tailEnd type="triangle"/>
+          </a:ln>
+        </p:spPr>
+        <p:style>
+          <a:lnRef idx="1">
+            <a:schemeClr val="dk1"/>
+          </a:lnRef>
+          <a:fillRef idx="0">
+            <a:schemeClr val="dk1"/>
+          </a:fillRef>
+          <a:effectRef idx="0">
+            <a:schemeClr val="dk1"/>
+          </a:effectRef>
+          <a:fontRef idx="minor">
+            <a:schemeClr val="tx1"/>
+          </a:fontRef>
+        </p:style>
+      </p:cxnSp>
+      <p:sp>
+        <p:nvSpPr>
+          <p:cNvPr id="5" name="円/楕円 4"/>
+          <p:cNvSpPr/>
+          <p:nvPr/>
+        </p:nvSpPr>
+        <p:spPr>
+          <a:xfrm>
+            <a:off x="567534" y="3817814"/>
+            <a:ext cx="194044" cy="194044"/>
+          </a:xfrm>
+          <a:prstGeom prst="ellipse">
+            <a:avLst/>
+          </a:prstGeom>
+          <a:solidFill>
+            <a:schemeClr val="bg1"/>
+          </a:solidFill>
+        </p:spPr>
+        <p:style>
+          <a:lnRef idx="2">
+            <a:schemeClr val="dk1">
+              <a:shade val="50000"/>
+            </a:schemeClr>
+          </a:lnRef>
+          <a:fillRef idx="1">
+            <a:schemeClr val="dk1"/>
+          </a:fillRef>
+          <a:effectRef idx="0">
+            <a:schemeClr val="dk1"/>
+          </a:effectRef>
+          <a:fontRef idx="minor">
+            <a:schemeClr val="lt1"/>
+          </a:fontRef>
+        </p:style>
+        <p:txBody>
+          <a:bodyPr rtlCol="0" anchor="ctr"/>
+          <a:lstStyle/>
+          <a:p>
+            <a:pPr algn="ctr"/>
+            <a:endParaRPr kumimoji="1" lang="ja-JP" altLang="en-US"/>
+          </a:p>
+        </p:txBody>
+      </p:sp>
+      <p:sp>
+        <p:nvSpPr>
+          <p:cNvPr id="16" name="円/楕円 15"/>
+          <p:cNvSpPr/>
+          <p:nvPr/>
+        </p:nvSpPr>
+        <p:spPr>
+          <a:xfrm>
+            <a:off x="616045" y="3866325"/>
+            <a:ext cx="97022" cy="97022"/>
+          </a:xfrm>
+          <a:prstGeom prst="ellipse">
+            <a:avLst/>
+          </a:prstGeom>
+        </p:spPr>
+        <p:style>
+          <a:lnRef idx="2">
+            <a:schemeClr val="dk1">
+              <a:shade val="50000"/>
+            </a:schemeClr>
+          </a:lnRef>
+          <a:fillRef idx="1">
+            <a:schemeClr val="dk1"/>
+          </a:fillRef>
+          <a:effectRef idx="0">
+            <a:schemeClr val="dk1"/>
+          </a:effectRef>
+          <a:fontRef idx="minor">
+            <a:schemeClr val="lt1"/>
+          </a:fontRef>
+        </p:style>
+        <p:txBody>
+          <a:bodyPr rtlCol="0" anchor="ctr"/>
+          <a:lstStyle/>
+          <a:p>
+            <a:pPr algn="ctr"/>
+            <a:endParaRPr kumimoji="1" lang="ja-JP" altLang="en-US"/>
+          </a:p>
+        </p:txBody>
+      </p:sp>
+      <mc:AlternateContent xmlns:mc="http://schemas.openxmlformats.org/markup-compatibility/2006">
+        <mc:Choice xmlns:a14="http://schemas.microsoft.com/office/drawing/2010/main" Requires="a14">
+          <p:sp>
+            <p:nvSpPr>
+              <p:cNvPr id="21" name="テキスト ボックス 20"/>
+              <p:cNvSpPr txBox="1"/>
+              <p:nvPr/>
+            </p:nvSpPr>
+            <p:spPr>
+              <a:xfrm>
+                <a:off x="1476042" y="3701135"/>
+                <a:ext cx="353750" cy="369332"/>
+              </a:xfrm>
+              <a:prstGeom prst="rect">
+                <a:avLst/>
+              </a:prstGeom>
+              <a:noFill/>
+            </p:spPr>
+            <p:txBody>
+              <a:bodyPr wrap="none" rtlCol="0">
+                <a:spAutoFit/>
+              </a:bodyPr>
+              <a:lstStyle/>
+              <a:p>
+                <a14:m>
+                  <m:oMathPara xmlns:m="http://schemas.openxmlformats.org/officeDocument/2006/math">
+                    <m:oMathParaPr>
+                      <m:jc m:val="centerGroup"/>
+                    </m:oMathParaPr>
+                    <m:oMath xmlns:m="http://schemas.openxmlformats.org/officeDocument/2006/math">
+                      <m:r>
+                        <a:rPr kumimoji="1" lang="en-US" altLang="ja-JP" b="0" i="1" smtClean="0">
+                          <a:latin typeface="Cambria Math" panose="02040503050406030204" pitchFamily="18" charset="0"/>
+                        </a:rPr>
+                        <m:t>𝑧</m:t>
+                      </m:r>
+                    </m:oMath>
+                  </m:oMathPara>
+                </a14:m>
+                <a:endParaRPr kumimoji="1" lang="ja-JP" altLang="en-US" dirty="0"/>
+              </a:p>
+            </p:txBody>
+          </p:sp>
+        </mc:Choice>
+        <mc:Fallback>
+          <p:sp>
+            <p:nvSpPr>
+              <p:cNvPr id="21" name="テキスト ボックス 20"/>
+              <p:cNvSpPr txBox="1">
+                <a:spLocks noRot="1" noChangeAspect="1" noMove="1" noResize="1" noEditPoints="1" noAdjustHandles="1" noChangeArrowheads="1" noChangeShapeType="1" noTextEdit="1"/>
+              </p:cNvSpPr>
+              <p:nvPr/>
+            </p:nvSpPr>
+            <p:spPr>
+              <a:xfrm>
+                <a:off x="1476042" y="3701135"/>
+                <a:ext cx="353750" cy="369332"/>
+              </a:xfrm>
+              <a:prstGeom prst="rect">
+                <a:avLst/>
+              </a:prstGeom>
+              <a:blipFill rotWithShape="0">
+                <a:blip r:embed="rId2"/>
+                <a:stretch>
+                  <a:fillRect/>
+                </a:stretch>
+              </a:blipFill>
+            </p:spPr>
+            <p:txBody>
+              <a:bodyPr/>
+              <a:lstStyle/>
+              <a:p>
+                <a:r>
+                  <a:rPr lang="ja-JP" altLang="en-US">
+                    <a:noFill/>
+                  </a:rPr>
+                  <a:t> </a:t>
+                </a:r>
+              </a:p>
+            </p:txBody>
+          </p:sp>
+        </mc:Fallback>
+      </mc:AlternateContent>
+      <mc:AlternateContent xmlns:mc="http://schemas.openxmlformats.org/markup-compatibility/2006">
+        <mc:Choice xmlns:a14="http://schemas.microsoft.com/office/drawing/2010/main" Requires="a14">
+          <p:sp>
+            <p:nvSpPr>
+              <p:cNvPr id="46" name="テキスト ボックス 45"/>
+              <p:cNvSpPr txBox="1"/>
+              <p:nvPr/>
+            </p:nvSpPr>
+            <p:spPr>
+              <a:xfrm>
+                <a:off x="487681" y="2748047"/>
+                <a:ext cx="367986" cy="369332"/>
+              </a:xfrm>
+              <a:prstGeom prst="rect">
+                <a:avLst/>
+              </a:prstGeom>
+              <a:noFill/>
+            </p:spPr>
+            <p:txBody>
+              <a:bodyPr wrap="none" rtlCol="0">
+                <a:spAutoFit/>
+              </a:bodyPr>
+              <a:lstStyle/>
+              <a:p>
+                <a14:m>
+                  <m:oMathPara xmlns:m="http://schemas.openxmlformats.org/officeDocument/2006/math">
+                    <m:oMathParaPr>
+                      <m:jc m:val="centerGroup"/>
+                    </m:oMathParaPr>
+                    <m:oMath xmlns:m="http://schemas.openxmlformats.org/officeDocument/2006/math">
+                      <m:r>
+                        <a:rPr kumimoji="1" lang="en-US" altLang="ja-JP" b="0" i="1" smtClean="0">
+                          <a:latin typeface="Cambria Math" panose="02040503050406030204" pitchFamily="18" charset="0"/>
+                        </a:rPr>
+                        <m:t>𝑥</m:t>
+                      </m:r>
+                    </m:oMath>
+                  </m:oMathPara>
+                </a14:m>
+                <a:endParaRPr kumimoji="1" lang="ja-JP" altLang="en-US" dirty="0"/>
+              </a:p>
+            </p:txBody>
+          </p:sp>
+        </mc:Choice>
+        <mc:Fallback>
+          <p:sp>
+            <p:nvSpPr>
+              <p:cNvPr id="46" name="テキスト ボックス 45"/>
+              <p:cNvSpPr txBox="1">
+                <a:spLocks noRot="1" noChangeAspect="1" noMove="1" noResize="1" noEditPoints="1" noAdjustHandles="1" noChangeArrowheads="1" noChangeShapeType="1" noTextEdit="1"/>
+              </p:cNvSpPr>
+              <p:nvPr/>
+            </p:nvSpPr>
+            <p:spPr>
+              <a:xfrm>
+                <a:off x="487681" y="2748047"/>
+                <a:ext cx="367986" cy="369332"/>
+              </a:xfrm>
+              <a:prstGeom prst="rect">
+                <a:avLst/>
+              </a:prstGeom>
+              <a:blipFill rotWithShape="0">
+                <a:blip r:embed="rId3"/>
+                <a:stretch>
+                  <a:fillRect/>
+                </a:stretch>
+              </a:blipFill>
+            </p:spPr>
+            <p:txBody>
+              <a:bodyPr/>
+              <a:lstStyle/>
+              <a:p>
+                <a:r>
+                  <a:rPr lang="ja-JP" altLang="en-US">
+                    <a:noFill/>
+                  </a:rPr>
+                  <a:t> </a:t>
+                </a:r>
+              </a:p>
+            </p:txBody>
+          </p:sp>
+        </mc:Fallback>
+      </mc:AlternateContent>
+      <mc:AlternateContent xmlns:mc="http://schemas.openxmlformats.org/markup-compatibility/2006">
+        <mc:Choice xmlns:a14="http://schemas.microsoft.com/office/drawing/2010/main" Requires="a14">
+          <p:sp>
+            <p:nvSpPr>
+              <p:cNvPr id="48" name="テキスト ボックス 47"/>
+              <p:cNvSpPr txBox="1"/>
+              <p:nvPr/>
+            </p:nvSpPr>
+            <p:spPr>
+              <a:xfrm>
+                <a:off x="324916" y="3914836"/>
+                <a:ext cx="371384" cy="369332"/>
+              </a:xfrm>
+              <a:prstGeom prst="rect">
+                <a:avLst/>
+              </a:prstGeom>
+              <a:noFill/>
+            </p:spPr>
+            <p:txBody>
+              <a:bodyPr wrap="none" rtlCol="0">
+                <a:spAutoFit/>
+              </a:bodyPr>
+              <a:lstStyle/>
+              <a:p>
+                <a14:m>
+                  <m:oMathPara xmlns:m="http://schemas.openxmlformats.org/officeDocument/2006/math">
+                    <m:oMathParaPr>
+                      <m:jc m:val="centerGroup"/>
+                    </m:oMathParaPr>
+                    <m:oMath xmlns:m="http://schemas.openxmlformats.org/officeDocument/2006/math">
+                      <m:r>
+                        <a:rPr kumimoji="1" lang="en-US" altLang="ja-JP" b="0" i="1" smtClean="0">
+                          <a:latin typeface="Cambria Math" panose="02040503050406030204" pitchFamily="18" charset="0"/>
+                        </a:rPr>
+                        <m:t>𝑦</m:t>
+                      </m:r>
+                    </m:oMath>
+                  </m:oMathPara>
+                </a14:m>
+                <a:endParaRPr kumimoji="1" lang="ja-JP" altLang="en-US" dirty="0"/>
+              </a:p>
+            </p:txBody>
+          </p:sp>
+        </mc:Choice>
+        <mc:Fallback>
+          <p:sp>
+            <p:nvSpPr>
+              <p:cNvPr id="48" name="テキスト ボックス 47"/>
+              <p:cNvSpPr txBox="1">
+                <a:spLocks noRot="1" noChangeAspect="1" noMove="1" noResize="1" noEditPoints="1" noAdjustHandles="1" noChangeArrowheads="1" noChangeShapeType="1" noTextEdit="1"/>
+              </p:cNvSpPr>
+              <p:nvPr/>
+            </p:nvSpPr>
+            <p:spPr>
+              <a:xfrm>
+                <a:off x="324916" y="3914836"/>
+                <a:ext cx="371384" cy="369332"/>
+              </a:xfrm>
+              <a:prstGeom prst="rect">
+                <a:avLst/>
+              </a:prstGeom>
+              <a:blipFill rotWithShape="0">
+                <a:blip r:embed="rId4"/>
+                <a:stretch>
+                  <a:fillRect b="-6557"/>
+                </a:stretch>
+              </a:blipFill>
+            </p:spPr>
+            <p:txBody>
+              <a:bodyPr/>
+              <a:lstStyle/>
+              <a:p>
+                <a:r>
+                  <a:rPr lang="ja-JP" altLang="en-US">
+                    <a:noFill/>
+                  </a:rPr>
+                  <a:t> </a:t>
+                </a:r>
+              </a:p>
+            </p:txBody>
+          </p:sp>
+        </mc:Fallback>
+      </mc:AlternateContent>
     </p:spTree>
     <p:extLst>
       <p:ext uri="{BB962C8B-B14F-4D97-AF65-F5344CB8AC3E}">
         <p14:creationId xmlns:p14="http://schemas.microsoft.com/office/powerpoint/2010/main" val="1371781242"/>
+      </p:ext>
+    </p:extLst>
+  </p:cSld>
+  <p:clrMapOvr>
+    <a:masterClrMapping/>
+  </p:clrMapOvr>
+</p:sld>
+</file>
+
+<file path=ppt/slides/slide3.xml><?xml version="1.0" encoding="utf-8"?>
+<p:sld xmlns:a="http://schemas.openxmlformats.org/drawingml/2006/main" xmlns:r="http://schemas.openxmlformats.org/officeDocument/2006/relationships" xmlns:p="http://schemas.openxmlformats.org/presentationml/2006/main">
+  <p:cSld>
+    <p:spTree>
+      <p:nvGrpSpPr>
+        <p:cNvPr id="1" name=""/>
+        <p:cNvGrpSpPr/>
+        <p:nvPr/>
+      </p:nvGrpSpPr>
+      <p:grpSpPr>
+        <a:xfrm>
+          <a:off x="0" y="0"/>
+          <a:ext cx="0" cy="0"/>
+          <a:chOff x="0" y="0"/>
+          <a:chExt cx="0" cy="0"/>
+        </a:xfrm>
+      </p:grpSpPr>
+      <p:sp>
+        <p:nvSpPr>
+          <p:cNvPr id="4" name="正方形/長方形 3"/>
+          <p:cNvSpPr/>
+          <p:nvPr/>
+        </p:nvSpPr>
+        <p:spPr>
+          <a:xfrm>
+            <a:off x="2781300" y="6019800"/>
+            <a:ext cx="4229100" cy="219075"/>
+          </a:xfrm>
+          <a:prstGeom prst="rect">
+            <a:avLst/>
+          </a:prstGeom>
+        </p:spPr>
+        <p:style>
+          <a:lnRef idx="2">
+            <a:schemeClr val="dk1">
+              <a:shade val="50000"/>
+            </a:schemeClr>
+          </a:lnRef>
+          <a:fillRef idx="1">
+            <a:schemeClr val="dk1"/>
+          </a:fillRef>
+          <a:effectRef idx="0">
+            <a:schemeClr val="dk1"/>
+          </a:effectRef>
+          <a:fontRef idx="minor">
+            <a:schemeClr val="lt1"/>
+          </a:fontRef>
+        </p:style>
+        <p:txBody>
+          <a:bodyPr rtlCol="0" anchor="ctr"/>
+          <a:lstStyle/>
+          <a:p>
+            <a:pPr algn="ctr"/>
+            <a:endParaRPr kumimoji="1" lang="ja-JP" altLang="en-US"/>
+          </a:p>
+        </p:txBody>
+      </p:sp>
+      <p:sp>
+        <p:nvSpPr>
+          <p:cNvPr id="5" name="正方形/長方形 4"/>
+          <p:cNvSpPr/>
+          <p:nvPr/>
+        </p:nvSpPr>
+        <p:spPr>
+          <a:xfrm>
+            <a:off x="2781300" y="4463535"/>
+            <a:ext cx="1504949" cy="190499"/>
+          </a:xfrm>
+          <a:prstGeom prst="rect">
+            <a:avLst/>
+          </a:prstGeom>
+        </p:spPr>
+        <p:style>
+          <a:lnRef idx="2">
+            <a:schemeClr val="dk1">
+              <a:shade val="50000"/>
+            </a:schemeClr>
+          </a:lnRef>
+          <a:fillRef idx="1">
+            <a:schemeClr val="dk1"/>
+          </a:fillRef>
+          <a:effectRef idx="0">
+            <a:schemeClr val="dk1"/>
+          </a:effectRef>
+          <a:fontRef idx="minor">
+            <a:schemeClr val="lt1"/>
+          </a:fontRef>
+        </p:style>
+        <p:txBody>
+          <a:bodyPr rtlCol="0" anchor="ctr"/>
+          <a:lstStyle/>
+          <a:p>
+            <a:pPr algn="ctr"/>
+            <a:endParaRPr kumimoji="1" lang="ja-JP" altLang="en-US"/>
+          </a:p>
+        </p:txBody>
+      </p:sp>
+      <p:sp>
+        <p:nvSpPr>
+          <p:cNvPr id="7" name="テキスト ボックス 6"/>
+          <p:cNvSpPr txBox="1"/>
+          <p:nvPr/>
+        </p:nvSpPr>
+        <p:spPr>
+          <a:xfrm>
+            <a:off x="7429499" y="198178"/>
+            <a:ext cx="1340432" cy="369332"/>
+          </a:xfrm>
+          <a:prstGeom prst="rect">
+            <a:avLst/>
+          </a:prstGeom>
+          <a:noFill/>
+        </p:spPr>
+        <p:txBody>
+          <a:bodyPr wrap="none" rtlCol="0">
+            <a:spAutoFit/>
+          </a:bodyPr>
+          <a:lstStyle/>
+          <a:p>
+            <a:r>
+              <a:rPr lang="ja-JP" altLang="en-US" dirty="0" smtClean="0"/>
+              <a:t>電極</a:t>
+            </a:r>
+            <a:r>
+              <a:rPr lang="en-US" altLang="ja-JP" dirty="0"/>
+              <a:t>(</a:t>
+            </a:r>
+            <a:r>
+              <a:rPr lang="en-US" altLang="ja-JP" dirty="0" smtClean="0"/>
+              <a:t>-500V)</a:t>
+            </a:r>
+          </a:p>
+        </p:txBody>
+      </p:sp>
+      <p:sp>
+        <p:nvSpPr>
+          <p:cNvPr id="8" name="テキスト ボックス 7"/>
+          <p:cNvSpPr txBox="1"/>
+          <p:nvPr/>
+        </p:nvSpPr>
+        <p:spPr>
+          <a:xfrm>
+            <a:off x="7429499" y="3572408"/>
+            <a:ext cx="2032929" cy="369332"/>
+          </a:xfrm>
+          <a:prstGeom prst="rect">
+            <a:avLst/>
+          </a:prstGeom>
+          <a:noFill/>
+        </p:spPr>
+        <p:txBody>
+          <a:bodyPr wrap="none" rtlCol="0">
+            <a:spAutoFit/>
+          </a:bodyPr>
+          <a:lstStyle/>
+          <a:p>
+            <a:r>
+              <a:rPr lang="ja-JP" altLang="en-US" dirty="0"/>
+              <a:t>円盤状</a:t>
+            </a:r>
+            <a:r>
+              <a:rPr lang="ja-JP" altLang="en-US" dirty="0" smtClean="0"/>
+              <a:t>電極</a:t>
+            </a:r>
+            <a:r>
+              <a:rPr lang="en-US" altLang="ja-JP" dirty="0" smtClean="0"/>
+              <a:t>(-426V)</a:t>
+            </a:r>
+          </a:p>
+        </p:txBody>
+      </p:sp>
+      <p:sp>
+        <p:nvSpPr>
+          <p:cNvPr id="11" name="テキスト ボックス 10"/>
+          <p:cNvSpPr txBox="1"/>
+          <p:nvPr/>
+        </p:nvSpPr>
+        <p:spPr>
+          <a:xfrm>
+            <a:off x="7429499" y="4374117"/>
+            <a:ext cx="1728358" cy="369332"/>
+          </a:xfrm>
+          <a:prstGeom prst="rect">
+            <a:avLst/>
+          </a:prstGeom>
+          <a:noFill/>
+        </p:spPr>
+        <p:txBody>
+          <a:bodyPr wrap="none" rtlCol="0">
+            <a:spAutoFit/>
+          </a:bodyPr>
+          <a:lstStyle/>
+          <a:p>
+            <a:r>
+              <a:rPr lang="ja-JP" altLang="en-US" dirty="0"/>
+              <a:t>円盤状</a:t>
+            </a:r>
+            <a:r>
+              <a:rPr lang="ja-JP" altLang="en-US" dirty="0" smtClean="0"/>
+              <a:t>電極</a:t>
+            </a:r>
+            <a:r>
+              <a:rPr lang="en-US" altLang="ja-JP" dirty="0" smtClean="0"/>
+              <a:t>(0V)</a:t>
+            </a:r>
+          </a:p>
+        </p:txBody>
+      </p:sp>
+      <p:sp>
+        <p:nvSpPr>
+          <p:cNvPr id="12" name="正方形/長方形 11"/>
+          <p:cNvSpPr/>
+          <p:nvPr/>
+        </p:nvSpPr>
+        <p:spPr>
+          <a:xfrm>
+            <a:off x="2781300" y="5479015"/>
+            <a:ext cx="4229097" cy="223483"/>
+          </a:xfrm>
+          <a:prstGeom prst="rect">
+            <a:avLst/>
+          </a:prstGeom>
+          <a:solidFill>
+            <a:schemeClr val="bg1"/>
+          </a:solidFill>
+        </p:spPr>
+        <p:style>
+          <a:lnRef idx="2">
+            <a:schemeClr val="dk1">
+              <a:shade val="50000"/>
+            </a:schemeClr>
+          </a:lnRef>
+          <a:fillRef idx="1">
+            <a:schemeClr val="dk1"/>
+          </a:fillRef>
+          <a:effectRef idx="0">
+            <a:schemeClr val="dk1"/>
+          </a:effectRef>
+          <a:fontRef idx="minor">
+            <a:schemeClr val="lt1"/>
+          </a:fontRef>
+        </p:style>
+        <p:txBody>
+          <a:bodyPr rtlCol="0" anchor="ctr"/>
+          <a:lstStyle/>
+          <a:p>
+            <a:pPr algn="ctr"/>
+            <a:endParaRPr kumimoji="1" lang="ja-JP" altLang="en-US"/>
+          </a:p>
+        </p:txBody>
+      </p:sp>
+      <p:sp>
+        <p:nvSpPr>
+          <p:cNvPr id="13" name="正方形/長方形 12"/>
+          <p:cNvSpPr/>
+          <p:nvPr/>
+        </p:nvSpPr>
+        <p:spPr>
+          <a:xfrm>
+            <a:off x="2705099" y="279914"/>
+            <a:ext cx="4305299" cy="205861"/>
+          </a:xfrm>
+          <a:prstGeom prst="rect">
+            <a:avLst/>
+          </a:prstGeom>
+        </p:spPr>
+        <p:style>
+          <a:lnRef idx="2">
+            <a:schemeClr val="dk1">
+              <a:shade val="50000"/>
+            </a:schemeClr>
+          </a:lnRef>
+          <a:fillRef idx="1">
+            <a:schemeClr val="dk1"/>
+          </a:fillRef>
+          <a:effectRef idx="0">
+            <a:schemeClr val="dk1"/>
+          </a:effectRef>
+          <a:fontRef idx="minor">
+            <a:schemeClr val="lt1"/>
+          </a:fontRef>
+        </p:style>
+        <p:txBody>
+          <a:bodyPr rtlCol="0" anchor="ctr"/>
+          <a:lstStyle/>
+          <a:p>
+            <a:pPr algn="ctr"/>
+            <a:endParaRPr kumimoji="1" lang="ja-JP" altLang="en-US"/>
+          </a:p>
+        </p:txBody>
+      </p:sp>
+      <p:sp>
+        <p:nvSpPr>
+          <p:cNvPr id="14" name="テキスト ボックス 13"/>
+          <p:cNvSpPr txBox="1"/>
+          <p:nvPr/>
+        </p:nvSpPr>
+        <p:spPr>
+          <a:xfrm>
+            <a:off x="7429499" y="5296730"/>
+            <a:ext cx="3520516" cy="369332"/>
+          </a:xfrm>
+          <a:prstGeom prst="rect">
+            <a:avLst/>
+          </a:prstGeom>
+          <a:noFill/>
+        </p:spPr>
+        <p:txBody>
+          <a:bodyPr wrap="none" rtlCol="0">
+            <a:spAutoFit/>
+          </a:bodyPr>
+          <a:lstStyle/>
+          <a:p>
+            <a:r>
+              <a:rPr lang="ja-JP" altLang="en-US" dirty="0" smtClean="0"/>
+              <a:t>マイクロチャンネルプレート</a:t>
+            </a:r>
+            <a:r>
+              <a:rPr lang="en-US" altLang="ja-JP" dirty="0" smtClean="0"/>
+              <a:t>(1451V)</a:t>
+            </a:r>
+          </a:p>
+        </p:txBody>
+      </p:sp>
+      <p:sp>
+        <p:nvSpPr>
+          <p:cNvPr id="15" name="テキスト ボックス 14"/>
+          <p:cNvSpPr txBox="1"/>
+          <p:nvPr/>
+        </p:nvSpPr>
+        <p:spPr>
+          <a:xfrm>
+            <a:off x="7429499" y="5944671"/>
+            <a:ext cx="1822935" cy="369332"/>
+          </a:xfrm>
+          <a:prstGeom prst="rect">
+            <a:avLst/>
+          </a:prstGeom>
+          <a:noFill/>
+        </p:spPr>
+        <p:txBody>
+          <a:bodyPr wrap="none" rtlCol="0">
+            <a:spAutoFit/>
+          </a:bodyPr>
+          <a:lstStyle/>
+          <a:p>
+            <a:r>
+              <a:rPr lang="en-US" altLang="ja-JP" dirty="0" smtClean="0"/>
+              <a:t>Phosphor(3400V)</a:t>
+            </a:r>
+          </a:p>
+        </p:txBody>
+      </p:sp>
+      <p:sp>
+        <p:nvSpPr>
+          <p:cNvPr id="17" name="円/楕円 16"/>
+          <p:cNvSpPr/>
+          <p:nvPr/>
+        </p:nvSpPr>
+        <p:spPr>
+          <a:xfrm>
+            <a:off x="4795837" y="2171199"/>
+            <a:ext cx="361950" cy="361950"/>
+          </a:xfrm>
+          <a:prstGeom prst="ellipse">
+            <a:avLst/>
+          </a:prstGeom>
+          <a:noFill/>
+          <a:ln>
+            <a:solidFill>
+              <a:schemeClr val="tx1"/>
+            </a:solidFill>
+          </a:ln>
+        </p:spPr>
+        <p:style>
+          <a:lnRef idx="2">
+            <a:schemeClr val="accent1">
+              <a:shade val="50000"/>
+            </a:schemeClr>
+          </a:lnRef>
+          <a:fillRef idx="1">
+            <a:schemeClr val="accent1"/>
+          </a:fillRef>
+          <a:effectRef idx="0">
+            <a:schemeClr val="accent1"/>
+          </a:effectRef>
+          <a:fontRef idx="minor">
+            <a:schemeClr val="lt1"/>
+          </a:fontRef>
+        </p:style>
+        <p:txBody>
+          <a:bodyPr rtlCol="0" anchor="ctr"/>
+          <a:lstStyle/>
+          <a:p>
+            <a:pPr algn="ctr"/>
+            <a:endParaRPr kumimoji="1" lang="ja-JP" altLang="en-US"/>
+          </a:p>
+        </p:txBody>
+      </p:sp>
+      <p:sp>
+        <p:nvSpPr>
+          <p:cNvPr id="18" name="右矢印 17"/>
+          <p:cNvSpPr/>
+          <p:nvPr/>
+        </p:nvSpPr>
+        <p:spPr>
+          <a:xfrm>
+            <a:off x="2455337" y="1736465"/>
+            <a:ext cx="1676400" cy="900113"/>
+          </a:xfrm>
+          <a:prstGeom prst="rightArrow">
+            <a:avLst/>
+          </a:prstGeom>
+          <a:noFill/>
+          <a:ln>
+            <a:solidFill>
+              <a:schemeClr val="tx1"/>
+            </a:solidFill>
+          </a:ln>
+        </p:spPr>
+        <p:style>
+          <a:lnRef idx="2">
+            <a:schemeClr val="accent1">
+              <a:shade val="50000"/>
+            </a:schemeClr>
+          </a:lnRef>
+          <a:fillRef idx="1">
+            <a:schemeClr val="accent1"/>
+          </a:fillRef>
+          <a:effectRef idx="0">
+            <a:schemeClr val="accent1"/>
+          </a:effectRef>
+          <a:fontRef idx="minor">
+            <a:schemeClr val="lt1"/>
+          </a:fontRef>
+        </p:style>
+        <p:txBody>
+          <a:bodyPr rtlCol="0" anchor="ctr"/>
+          <a:lstStyle/>
+          <a:p>
+            <a:pPr algn="ctr"/>
+            <a:endParaRPr kumimoji="1" lang="ja-JP" altLang="en-US"/>
+          </a:p>
+        </p:txBody>
+      </p:sp>
+      <p:sp>
+        <p:nvSpPr>
+          <p:cNvPr id="19" name="テキスト ボックス 18"/>
+          <p:cNvSpPr txBox="1"/>
+          <p:nvPr/>
+        </p:nvSpPr>
+        <p:spPr>
+          <a:xfrm>
+            <a:off x="2616535" y="2016653"/>
+            <a:ext cx="917239" cy="369332"/>
+          </a:xfrm>
+          <a:prstGeom prst="rect">
+            <a:avLst/>
+          </a:prstGeom>
+          <a:noFill/>
+        </p:spPr>
+        <p:txBody>
+          <a:bodyPr wrap="none" rtlCol="0">
+            <a:spAutoFit/>
+          </a:bodyPr>
+          <a:lstStyle/>
+          <a:p>
+            <a:r>
+              <a:rPr kumimoji="1" lang="en-US" altLang="ja-JP" dirty="0" smtClean="0"/>
+              <a:t>HHG+IR</a:t>
+            </a:r>
+            <a:endParaRPr kumimoji="1" lang="ja-JP" altLang="en-US" dirty="0"/>
+          </a:p>
+        </p:txBody>
+      </p:sp>
+      <p:sp>
+        <p:nvSpPr>
+          <p:cNvPr id="20" name="テキスト ボックス 19"/>
+          <p:cNvSpPr txBox="1"/>
+          <p:nvPr/>
+        </p:nvSpPr>
+        <p:spPr>
+          <a:xfrm>
+            <a:off x="4341015" y="1604775"/>
+            <a:ext cx="1447832" cy="369332"/>
+          </a:xfrm>
+          <a:prstGeom prst="rect">
+            <a:avLst/>
+          </a:prstGeom>
+          <a:noFill/>
+        </p:spPr>
+        <p:txBody>
+          <a:bodyPr wrap="none" rtlCol="0">
+            <a:spAutoFit/>
+          </a:bodyPr>
+          <a:lstStyle/>
+          <a:p>
+            <a:r>
+              <a:rPr lang="ja-JP" altLang="en-US" dirty="0"/>
+              <a:t>アルゴン</a:t>
+            </a:r>
+            <a:r>
+              <a:rPr lang="ja-JP" altLang="en-US" dirty="0" smtClean="0"/>
+              <a:t>ガス</a:t>
+            </a:r>
+            <a:endParaRPr lang="en-US" altLang="ja-JP" dirty="0" smtClean="0"/>
+          </a:p>
+        </p:txBody>
+      </p:sp>
+      <p:sp>
+        <p:nvSpPr>
+          <p:cNvPr id="24" name="正方形/長方形 23"/>
+          <p:cNvSpPr/>
+          <p:nvPr/>
+        </p:nvSpPr>
+        <p:spPr>
+          <a:xfrm>
+            <a:off x="5505447" y="4463534"/>
+            <a:ext cx="1504949" cy="190499"/>
+          </a:xfrm>
+          <a:prstGeom prst="rect">
+            <a:avLst/>
+          </a:prstGeom>
+        </p:spPr>
+        <p:style>
+          <a:lnRef idx="2">
+            <a:schemeClr val="dk1">
+              <a:shade val="50000"/>
+            </a:schemeClr>
+          </a:lnRef>
+          <a:fillRef idx="1">
+            <a:schemeClr val="dk1"/>
+          </a:fillRef>
+          <a:effectRef idx="0">
+            <a:schemeClr val="dk1"/>
+          </a:effectRef>
+          <a:fontRef idx="minor">
+            <a:schemeClr val="lt1"/>
+          </a:fontRef>
+        </p:style>
+        <p:txBody>
+          <a:bodyPr rtlCol="0" anchor="ctr"/>
+          <a:lstStyle/>
+          <a:p>
+            <a:pPr algn="ctr"/>
+            <a:endParaRPr kumimoji="1" lang="ja-JP" altLang="en-US"/>
+          </a:p>
+        </p:txBody>
+      </p:sp>
+      <p:sp>
+        <p:nvSpPr>
+          <p:cNvPr id="25" name="正方形/長方形 24"/>
+          <p:cNvSpPr/>
+          <p:nvPr/>
+        </p:nvSpPr>
+        <p:spPr>
+          <a:xfrm>
+            <a:off x="2781300" y="3661825"/>
+            <a:ext cx="1504949" cy="190499"/>
+          </a:xfrm>
+          <a:prstGeom prst="rect">
+            <a:avLst/>
+          </a:prstGeom>
+        </p:spPr>
+        <p:style>
+          <a:lnRef idx="2">
+            <a:schemeClr val="dk1">
+              <a:shade val="50000"/>
+            </a:schemeClr>
+          </a:lnRef>
+          <a:fillRef idx="1">
+            <a:schemeClr val="dk1"/>
+          </a:fillRef>
+          <a:effectRef idx="0">
+            <a:schemeClr val="dk1"/>
+          </a:effectRef>
+          <a:fontRef idx="minor">
+            <a:schemeClr val="lt1"/>
+          </a:fontRef>
+        </p:style>
+        <p:txBody>
+          <a:bodyPr rtlCol="0" anchor="ctr"/>
+          <a:lstStyle/>
+          <a:p>
+            <a:pPr algn="ctr"/>
+            <a:endParaRPr kumimoji="1" lang="ja-JP" altLang="en-US"/>
+          </a:p>
+        </p:txBody>
+      </p:sp>
+      <p:sp>
+        <p:nvSpPr>
+          <p:cNvPr id="26" name="正方形/長方形 25"/>
+          <p:cNvSpPr/>
+          <p:nvPr/>
+        </p:nvSpPr>
+        <p:spPr>
+          <a:xfrm>
+            <a:off x="5505447" y="3622419"/>
+            <a:ext cx="1504949" cy="190499"/>
+          </a:xfrm>
+          <a:prstGeom prst="rect">
+            <a:avLst/>
+          </a:prstGeom>
+        </p:spPr>
+        <p:style>
+          <a:lnRef idx="2">
+            <a:schemeClr val="dk1">
+              <a:shade val="50000"/>
+            </a:schemeClr>
+          </a:lnRef>
+          <a:fillRef idx="1">
+            <a:schemeClr val="dk1"/>
+          </a:fillRef>
+          <a:effectRef idx="0">
+            <a:schemeClr val="dk1"/>
+          </a:effectRef>
+          <a:fontRef idx="minor">
+            <a:schemeClr val="lt1"/>
+          </a:fontRef>
+        </p:style>
+        <p:txBody>
+          <a:bodyPr rtlCol="0" anchor="ctr"/>
+          <a:lstStyle/>
+          <a:p>
+            <a:pPr algn="ctr"/>
+            <a:endParaRPr kumimoji="1" lang="ja-JP" altLang="en-US"/>
+          </a:p>
+        </p:txBody>
+      </p:sp>
+      <p:sp>
+        <p:nvSpPr>
+          <p:cNvPr id="27" name="フリーフォーム 26"/>
+          <p:cNvSpPr/>
+          <p:nvPr/>
+        </p:nvSpPr>
+        <p:spPr>
+          <a:xfrm rot="10800000">
+            <a:off x="4471985" y="2558002"/>
+            <a:ext cx="485775" cy="2924175"/>
+          </a:xfrm>
+          <a:custGeom>
+            <a:avLst/>
+            <a:gdLst>
+              <a:gd name="connsiteX0" fmla="*/ 0 w 485775"/>
+              <a:gd name="connsiteY0" fmla="*/ 2924175 h 2924175"/>
+              <a:gd name="connsiteX1" fmla="*/ 28575 w 485775"/>
+              <a:gd name="connsiteY1" fmla="*/ 2876550 h 2924175"/>
+              <a:gd name="connsiteX2" fmla="*/ 47625 w 485775"/>
+              <a:gd name="connsiteY2" fmla="*/ 2819400 h 2924175"/>
+              <a:gd name="connsiteX3" fmla="*/ 57150 w 485775"/>
+              <a:gd name="connsiteY3" fmla="*/ 2790825 h 2924175"/>
+              <a:gd name="connsiteX4" fmla="*/ 76200 w 485775"/>
+              <a:gd name="connsiteY4" fmla="*/ 2752725 h 2924175"/>
+              <a:gd name="connsiteX5" fmla="*/ 95250 w 485775"/>
+              <a:gd name="connsiteY5" fmla="*/ 2724150 h 2924175"/>
+              <a:gd name="connsiteX6" fmla="*/ 123825 w 485775"/>
+              <a:gd name="connsiteY6" fmla="*/ 2647950 h 2924175"/>
+              <a:gd name="connsiteX7" fmla="*/ 133350 w 485775"/>
+              <a:gd name="connsiteY7" fmla="*/ 2609850 h 2924175"/>
+              <a:gd name="connsiteX8" fmla="*/ 161925 w 485775"/>
+              <a:gd name="connsiteY8" fmla="*/ 2543175 h 2924175"/>
+              <a:gd name="connsiteX9" fmla="*/ 180975 w 485775"/>
+              <a:gd name="connsiteY9" fmla="*/ 2457450 h 2924175"/>
+              <a:gd name="connsiteX10" fmla="*/ 200025 w 485775"/>
+              <a:gd name="connsiteY10" fmla="*/ 2400300 h 2924175"/>
+              <a:gd name="connsiteX11" fmla="*/ 209550 w 485775"/>
+              <a:gd name="connsiteY11" fmla="*/ 2371725 h 2924175"/>
+              <a:gd name="connsiteX12" fmla="*/ 238125 w 485775"/>
+              <a:gd name="connsiteY12" fmla="*/ 2305050 h 2924175"/>
+              <a:gd name="connsiteX13" fmla="*/ 257175 w 485775"/>
+              <a:gd name="connsiteY13" fmla="*/ 2200275 h 2924175"/>
+              <a:gd name="connsiteX14" fmla="*/ 285750 w 485775"/>
+              <a:gd name="connsiteY14" fmla="*/ 2105025 h 2924175"/>
+              <a:gd name="connsiteX15" fmla="*/ 314325 w 485775"/>
+              <a:gd name="connsiteY15" fmla="*/ 1981200 h 2924175"/>
+              <a:gd name="connsiteX16" fmla="*/ 361950 w 485775"/>
+              <a:gd name="connsiteY16" fmla="*/ 1857375 h 2924175"/>
+              <a:gd name="connsiteX17" fmla="*/ 381000 w 485775"/>
+              <a:gd name="connsiteY17" fmla="*/ 1743075 h 2924175"/>
+              <a:gd name="connsiteX18" fmla="*/ 400050 w 485775"/>
+              <a:gd name="connsiteY18" fmla="*/ 1571625 h 2924175"/>
+              <a:gd name="connsiteX19" fmla="*/ 419100 w 485775"/>
+              <a:gd name="connsiteY19" fmla="*/ 1400175 h 2924175"/>
+              <a:gd name="connsiteX20" fmla="*/ 438150 w 485775"/>
+              <a:gd name="connsiteY20" fmla="*/ 1114425 h 2924175"/>
+              <a:gd name="connsiteX21" fmla="*/ 457200 w 485775"/>
+              <a:gd name="connsiteY21" fmla="*/ 1047750 h 2924175"/>
+              <a:gd name="connsiteX22" fmla="*/ 466725 w 485775"/>
+              <a:gd name="connsiteY22" fmla="*/ 676275 h 2924175"/>
+              <a:gd name="connsiteX23" fmla="*/ 476250 w 485775"/>
+              <a:gd name="connsiteY23" fmla="*/ 628650 h 2924175"/>
+              <a:gd name="connsiteX24" fmla="*/ 485775 w 485775"/>
+              <a:gd name="connsiteY24" fmla="*/ 561975 h 2924175"/>
+              <a:gd name="connsiteX25" fmla="*/ 466725 w 485775"/>
+              <a:gd name="connsiteY25" fmla="*/ 400050 h 2924175"/>
+              <a:gd name="connsiteX26" fmla="*/ 485775 w 485775"/>
+              <a:gd name="connsiteY26" fmla="*/ 76200 h 2924175"/>
+              <a:gd name="connsiteX27" fmla="*/ 457200 w 485775"/>
+              <a:gd name="connsiteY27" fmla="*/ 0 h 2924175"/>
+            </a:gdLst>
+            <a:ahLst/>
+            <a:cxnLst>
+              <a:cxn ang="0">
+                <a:pos x="connsiteX0" y="connsiteY0"/>
+              </a:cxn>
+              <a:cxn ang="0">
+                <a:pos x="connsiteX1" y="connsiteY1"/>
+              </a:cxn>
+              <a:cxn ang="0">
+                <a:pos x="connsiteX2" y="connsiteY2"/>
+              </a:cxn>
+              <a:cxn ang="0">
+                <a:pos x="connsiteX3" y="connsiteY3"/>
+              </a:cxn>
+              <a:cxn ang="0">
+                <a:pos x="connsiteX4" y="connsiteY4"/>
+              </a:cxn>
+              <a:cxn ang="0">
+                <a:pos x="connsiteX5" y="connsiteY5"/>
+              </a:cxn>
+              <a:cxn ang="0">
+                <a:pos x="connsiteX6" y="connsiteY6"/>
+              </a:cxn>
+              <a:cxn ang="0">
+                <a:pos x="connsiteX7" y="connsiteY7"/>
+              </a:cxn>
+              <a:cxn ang="0">
+                <a:pos x="connsiteX8" y="connsiteY8"/>
+              </a:cxn>
+              <a:cxn ang="0">
+                <a:pos x="connsiteX9" y="connsiteY9"/>
+              </a:cxn>
+              <a:cxn ang="0">
+                <a:pos x="connsiteX10" y="connsiteY10"/>
+              </a:cxn>
+              <a:cxn ang="0">
+                <a:pos x="connsiteX11" y="connsiteY11"/>
+              </a:cxn>
+              <a:cxn ang="0">
+                <a:pos x="connsiteX12" y="connsiteY12"/>
+              </a:cxn>
+              <a:cxn ang="0">
+                <a:pos x="connsiteX13" y="connsiteY13"/>
+              </a:cxn>
+              <a:cxn ang="0">
+                <a:pos x="connsiteX14" y="connsiteY14"/>
+              </a:cxn>
+              <a:cxn ang="0">
+                <a:pos x="connsiteX15" y="connsiteY15"/>
+              </a:cxn>
+              <a:cxn ang="0">
+                <a:pos x="connsiteX16" y="connsiteY16"/>
+              </a:cxn>
+              <a:cxn ang="0">
+                <a:pos x="connsiteX17" y="connsiteY17"/>
+              </a:cxn>
+              <a:cxn ang="0">
+                <a:pos x="connsiteX18" y="connsiteY18"/>
+              </a:cxn>
+              <a:cxn ang="0">
+                <a:pos x="connsiteX19" y="connsiteY19"/>
+              </a:cxn>
+              <a:cxn ang="0">
+                <a:pos x="connsiteX20" y="connsiteY20"/>
+              </a:cxn>
+              <a:cxn ang="0">
+                <a:pos x="connsiteX21" y="connsiteY21"/>
+              </a:cxn>
+              <a:cxn ang="0">
+                <a:pos x="connsiteX22" y="connsiteY22"/>
+              </a:cxn>
+              <a:cxn ang="0">
+                <a:pos x="connsiteX23" y="connsiteY23"/>
+              </a:cxn>
+              <a:cxn ang="0">
+                <a:pos x="connsiteX24" y="connsiteY24"/>
+              </a:cxn>
+              <a:cxn ang="0">
+                <a:pos x="connsiteX25" y="connsiteY25"/>
+              </a:cxn>
+              <a:cxn ang="0">
+                <a:pos x="connsiteX26" y="connsiteY26"/>
+              </a:cxn>
+              <a:cxn ang="0">
+                <a:pos x="connsiteX27" y="connsiteY27"/>
+              </a:cxn>
+            </a:cxnLst>
+            <a:rect l="l" t="t" r="r" b="b"/>
+            <a:pathLst>
+              <a:path w="485775" h="2924175">
+                <a:moveTo>
+                  <a:pt x="0" y="2924175"/>
+                </a:moveTo>
+                <a:cubicBezTo>
+                  <a:pt x="9525" y="2908300"/>
+                  <a:pt x="20914" y="2893404"/>
+                  <a:pt x="28575" y="2876550"/>
+                </a:cubicBezTo>
+                <a:cubicBezTo>
+                  <a:pt x="36884" y="2858269"/>
+                  <a:pt x="41275" y="2838450"/>
+                  <a:pt x="47625" y="2819400"/>
+                </a:cubicBezTo>
+                <a:cubicBezTo>
+                  <a:pt x="50800" y="2809875"/>
+                  <a:pt x="52660" y="2799805"/>
+                  <a:pt x="57150" y="2790825"/>
+                </a:cubicBezTo>
+                <a:cubicBezTo>
+                  <a:pt x="63500" y="2778125"/>
+                  <a:pt x="69155" y="2765053"/>
+                  <a:pt x="76200" y="2752725"/>
+                </a:cubicBezTo>
+                <a:cubicBezTo>
+                  <a:pt x="81880" y="2742786"/>
+                  <a:pt x="90130" y="2734389"/>
+                  <a:pt x="95250" y="2724150"/>
+                </a:cubicBezTo>
+                <a:cubicBezTo>
+                  <a:pt x="101960" y="2710730"/>
+                  <a:pt x="118329" y="2667185"/>
+                  <a:pt x="123825" y="2647950"/>
+                </a:cubicBezTo>
+                <a:cubicBezTo>
+                  <a:pt x="127421" y="2635363"/>
+                  <a:pt x="129754" y="2622437"/>
+                  <a:pt x="133350" y="2609850"/>
+                </a:cubicBezTo>
+                <a:cubicBezTo>
+                  <a:pt x="152272" y="2543622"/>
+                  <a:pt x="131445" y="2624455"/>
+                  <a:pt x="161925" y="2543175"/>
+                </a:cubicBezTo>
+                <a:cubicBezTo>
+                  <a:pt x="170478" y="2520366"/>
+                  <a:pt x="174940" y="2479578"/>
+                  <a:pt x="180975" y="2457450"/>
+                </a:cubicBezTo>
+                <a:cubicBezTo>
+                  <a:pt x="186259" y="2438077"/>
+                  <a:pt x="193675" y="2419350"/>
+                  <a:pt x="200025" y="2400300"/>
+                </a:cubicBezTo>
+                <a:cubicBezTo>
+                  <a:pt x="203200" y="2390775"/>
+                  <a:pt x="205060" y="2380705"/>
+                  <a:pt x="209550" y="2371725"/>
+                </a:cubicBezTo>
+                <a:cubicBezTo>
+                  <a:pt x="221198" y="2348429"/>
+                  <a:pt x="232519" y="2330277"/>
+                  <a:pt x="238125" y="2305050"/>
+                </a:cubicBezTo>
+                <a:cubicBezTo>
+                  <a:pt x="248216" y="2259639"/>
+                  <a:pt x="245619" y="2243611"/>
+                  <a:pt x="257175" y="2200275"/>
+                </a:cubicBezTo>
+                <a:cubicBezTo>
+                  <a:pt x="265716" y="2168246"/>
+                  <a:pt x="277314" y="2137082"/>
+                  <a:pt x="285750" y="2105025"/>
+                </a:cubicBezTo>
+                <a:cubicBezTo>
+                  <a:pt x="287369" y="2098871"/>
+                  <a:pt x="306766" y="2006398"/>
+                  <a:pt x="314325" y="1981200"/>
+                </a:cubicBezTo>
+                <a:cubicBezTo>
+                  <a:pt x="332123" y="1921875"/>
+                  <a:pt x="336180" y="1917504"/>
+                  <a:pt x="361950" y="1857375"/>
+                </a:cubicBezTo>
+                <a:cubicBezTo>
+                  <a:pt x="391558" y="1620514"/>
+                  <a:pt x="355827" y="1881528"/>
+                  <a:pt x="381000" y="1743075"/>
+                </a:cubicBezTo>
+                <a:cubicBezTo>
+                  <a:pt x="393505" y="1674298"/>
+                  <a:pt x="391585" y="1647812"/>
+                  <a:pt x="400050" y="1571625"/>
+                </a:cubicBezTo>
+                <a:cubicBezTo>
+                  <a:pt x="412971" y="1455335"/>
+                  <a:pt x="409985" y="1550581"/>
+                  <a:pt x="419100" y="1400175"/>
+                </a:cubicBezTo>
+                <a:cubicBezTo>
+                  <a:pt x="421931" y="1353461"/>
+                  <a:pt x="422828" y="1191034"/>
+                  <a:pt x="438150" y="1114425"/>
+                </a:cubicBezTo>
+                <a:cubicBezTo>
+                  <a:pt x="442683" y="1091760"/>
+                  <a:pt x="450850" y="1069975"/>
+                  <a:pt x="457200" y="1047750"/>
+                </a:cubicBezTo>
+                <a:cubicBezTo>
+                  <a:pt x="460375" y="923925"/>
+                  <a:pt x="461101" y="800013"/>
+                  <a:pt x="466725" y="676275"/>
+                </a:cubicBezTo>
+                <a:cubicBezTo>
+                  <a:pt x="467460" y="660102"/>
+                  <a:pt x="473588" y="644619"/>
+                  <a:pt x="476250" y="628650"/>
+                </a:cubicBezTo>
+                <a:cubicBezTo>
+                  <a:pt x="479941" y="606505"/>
+                  <a:pt x="482600" y="584200"/>
+                  <a:pt x="485775" y="561975"/>
+                </a:cubicBezTo>
+                <a:cubicBezTo>
+                  <a:pt x="476693" y="507484"/>
+                  <a:pt x="466725" y="456417"/>
+                  <a:pt x="466725" y="400050"/>
+                </a:cubicBezTo>
+                <a:cubicBezTo>
+                  <a:pt x="466725" y="124286"/>
+                  <a:pt x="446113" y="195185"/>
+                  <a:pt x="485775" y="76200"/>
+                </a:cubicBezTo>
+                <a:cubicBezTo>
+                  <a:pt x="445975" y="36400"/>
+                  <a:pt x="457200" y="61095"/>
+                  <a:pt x="457200" y="0"/>
+                </a:cubicBezTo>
+              </a:path>
+            </a:pathLst>
+          </a:custGeom>
+          <a:ln w="19050"/>
+        </p:spPr>
+        <p:style>
+          <a:lnRef idx="1">
+            <a:schemeClr val="dk1"/>
+          </a:lnRef>
+          <a:fillRef idx="0">
+            <a:schemeClr val="dk1"/>
+          </a:fillRef>
+          <a:effectRef idx="0">
+            <a:schemeClr val="dk1"/>
+          </a:effectRef>
+          <a:fontRef idx="minor">
+            <a:schemeClr val="tx1"/>
+          </a:fontRef>
+        </p:style>
+        <p:txBody>
+          <a:bodyPr rtlCol="0" anchor="ctr"/>
+          <a:lstStyle/>
+          <a:p>
+            <a:pPr algn="ctr"/>
+            <a:endParaRPr kumimoji="1" lang="ja-JP" altLang="en-US"/>
+          </a:p>
+        </p:txBody>
+      </p:sp>
+      <p:sp>
+        <p:nvSpPr>
+          <p:cNvPr id="28" name="テキスト ボックス 27"/>
+          <p:cNvSpPr txBox="1"/>
+          <p:nvPr/>
+        </p:nvSpPr>
+        <p:spPr>
+          <a:xfrm>
+            <a:off x="4914894" y="2797624"/>
+            <a:ext cx="1441420" cy="307777"/>
+          </a:xfrm>
+          <a:prstGeom prst="rect">
+            <a:avLst/>
+          </a:prstGeom>
+          <a:noFill/>
+        </p:spPr>
+        <p:txBody>
+          <a:bodyPr wrap="none" rtlCol="0">
+            <a:spAutoFit/>
+          </a:bodyPr>
+          <a:lstStyle/>
+          <a:p>
+            <a:r>
+              <a:rPr kumimoji="1" lang="ja-JP" altLang="en-US" sz="1400" dirty="0" smtClean="0"/>
+              <a:t>光電子の軌跡例</a:t>
+            </a:r>
+            <a:endParaRPr kumimoji="1" lang="ja-JP" altLang="en-US" sz="1400" dirty="0"/>
+          </a:p>
+        </p:txBody>
+      </p:sp>
+      <p:cxnSp>
+        <p:nvCxnSpPr>
+          <p:cNvPr id="30" name="直線コネクタ 29"/>
+          <p:cNvCxnSpPr>
+            <a:stCxn id="27" idx="16"/>
+            <a:endCxn id="28" idx="2"/>
+          </p:cNvCxnSpPr>
+          <p:nvPr/>
+        </p:nvCxnSpPr>
+        <p:spPr>
+          <a:xfrm flipV="1">
+            <a:off x="4595810" y="3105401"/>
+            <a:ext cx="1039794" cy="519401"/>
+          </a:xfrm>
+          <a:prstGeom prst="line">
+            <a:avLst/>
+          </a:prstGeom>
+        </p:spPr>
+        <p:style>
+          <a:lnRef idx="1">
+            <a:schemeClr val="dk1"/>
+          </a:lnRef>
+          <a:fillRef idx="0">
+            <a:schemeClr val="dk1"/>
+          </a:fillRef>
+          <a:effectRef idx="0">
+            <a:schemeClr val="dk1"/>
+          </a:effectRef>
+          <a:fontRef idx="minor">
+            <a:schemeClr val="tx1"/>
+          </a:fontRef>
+        </p:style>
+      </p:cxnSp>
+    </p:spTree>
+    <p:extLst>
+      <p:ext uri="{BB962C8B-B14F-4D97-AF65-F5344CB8AC3E}">
+        <p14:creationId xmlns:p14="http://schemas.microsoft.com/office/powerpoint/2010/main" val="1033247027"/>
+      </p:ext>
+    </p:extLst>
+  </p:cSld>
+  <p:clrMapOvr>
+    <a:masterClrMapping/>
+  </p:clrMapOvr>
+</p:sld>
+</file>
+
+<file path=ppt/slides/slide4.xml><?xml version="1.0" encoding="utf-8"?>
+<p:sld xmlns:a="http://schemas.openxmlformats.org/drawingml/2006/main" xmlns:r="http://schemas.openxmlformats.org/officeDocument/2006/relationships" xmlns:p="http://schemas.openxmlformats.org/presentationml/2006/main">
+  <p:cSld>
+    <p:spTree>
+      <p:nvGrpSpPr>
+        <p:cNvPr id="1" name=""/>
+        <p:cNvGrpSpPr/>
+        <p:nvPr/>
+      </p:nvGrpSpPr>
+      <p:grpSpPr>
+        <a:xfrm>
+          <a:off x="0" y="0"/>
+          <a:ext cx="0" cy="0"/>
+          <a:chOff x="0" y="0"/>
+          <a:chExt cx="0" cy="0"/>
+        </a:xfrm>
+      </p:grpSpPr>
+    </p:spTree>
+    <p:extLst>
+      <p:ext uri="{BB962C8B-B14F-4D97-AF65-F5344CB8AC3E}">
+        <p14:creationId xmlns:p14="http://schemas.microsoft.com/office/powerpoint/2010/main" val="1649182891"/>
       </p:ext>
     </p:extLst>
   </p:cSld>

--- a/図/使用した光学系.pptx
+++ b/図/使用した光学系.pptx
@@ -6480,6 +6480,59 @@
           </a:fontRef>
         </p:style>
       </p:cxnSp>
+      <p:sp>
+        <p:nvSpPr>
+          <p:cNvPr id="36" name="下矢印 35"/>
+          <p:cNvSpPr/>
+          <p:nvPr/>
+        </p:nvSpPr>
+        <p:spPr>
+          <a:xfrm>
+            <a:off x="6452947" y="1274895"/>
+            <a:ext cx="723900" cy="1514475"/>
+          </a:xfrm>
+          <a:prstGeom prst="downArrow">
+            <a:avLst/>
+          </a:prstGeom>
+          <a:noFill/>
+        </p:spPr>
+        <p:style>
+          <a:lnRef idx="2">
+            <a:schemeClr val="dk1">
+              <a:shade val="50000"/>
+            </a:schemeClr>
+          </a:lnRef>
+          <a:fillRef idx="1">
+            <a:schemeClr val="dk1"/>
+          </a:fillRef>
+          <a:effectRef idx="0">
+            <a:schemeClr val="dk1"/>
+          </a:effectRef>
+          <a:fontRef idx="minor">
+            <a:schemeClr val="lt1"/>
+          </a:fontRef>
+        </p:style>
+        <p:txBody>
+          <a:bodyPr rtlCol="0" anchor="ctr"/>
+          <a:lstStyle/>
+          <a:p>
+            <a:pPr algn="ctr"/>
+            <a:r>
+              <a:rPr kumimoji="1" lang="ja-JP" altLang="en-US" dirty="0" smtClean="0">
+                <a:solidFill>
+                  <a:schemeClr val="tx1"/>
+                </a:solidFill>
+              </a:rPr>
+              <a:t>電場の方向</a:t>
+            </a:r>
+            <a:endParaRPr kumimoji="1" lang="ja-JP" altLang="en-US" dirty="0">
+              <a:solidFill>
+                <a:schemeClr val="tx1"/>
+              </a:solidFill>
+            </a:endParaRPr>
+          </a:p>
+        </p:txBody>
+      </p:sp>
     </p:spTree>
     <p:extLst>
       <p:ext uri="{BB962C8B-B14F-4D97-AF65-F5344CB8AC3E}">
@@ -6510,6 +6563,518 @@
           <a:chExt cx="0" cy="0"/>
         </a:xfrm>
       </p:grpSpPr>
+      <p:sp>
+        <p:nvSpPr>
+          <p:cNvPr id="4" name="正方形/長方形 3"/>
+          <p:cNvSpPr/>
+          <p:nvPr/>
+        </p:nvSpPr>
+        <p:spPr>
+          <a:xfrm>
+            <a:off x="5566867" y="2408625"/>
+            <a:ext cx="476250" cy="2592000"/>
+          </a:xfrm>
+          <a:prstGeom prst="rect">
+            <a:avLst/>
+          </a:prstGeom>
+          <a:noFill/>
+          <a:ln w="19050">
+            <a:solidFill>
+              <a:schemeClr val="tx1"/>
+            </a:solidFill>
+          </a:ln>
+        </p:spPr>
+        <p:style>
+          <a:lnRef idx="2">
+            <a:schemeClr val="accent1">
+              <a:shade val="50000"/>
+            </a:schemeClr>
+          </a:lnRef>
+          <a:fillRef idx="1">
+            <a:schemeClr val="accent1"/>
+          </a:fillRef>
+          <a:effectRef idx="0">
+            <a:schemeClr val="accent1"/>
+          </a:effectRef>
+          <a:fontRef idx="minor">
+            <a:schemeClr val="lt1"/>
+          </a:fontRef>
+        </p:style>
+        <p:txBody>
+          <a:bodyPr rtlCol="0" anchor="ctr"/>
+          <a:lstStyle/>
+          <a:p>
+            <a:pPr algn="ctr"/>
+            <a:endParaRPr kumimoji="1" lang="ja-JP" altLang="en-US"/>
+          </a:p>
+        </p:txBody>
+      </p:sp>
+      <p:sp>
+        <p:nvSpPr>
+          <p:cNvPr id="5" name="テキスト ボックス 4"/>
+          <p:cNvSpPr txBox="1"/>
+          <p:nvPr/>
+        </p:nvSpPr>
+        <p:spPr>
+          <a:xfrm>
+            <a:off x="5133975" y="5101709"/>
+            <a:ext cx="1342034" cy="369332"/>
+          </a:xfrm>
+          <a:prstGeom prst="rect">
+            <a:avLst/>
+          </a:prstGeom>
+          <a:noFill/>
+        </p:spPr>
+        <p:txBody>
+          <a:bodyPr wrap="none" rtlCol="0">
+            <a:spAutoFit/>
+          </a:bodyPr>
+          <a:lstStyle/>
+          <a:p>
+            <a:r>
+              <a:rPr lang="en-US" altLang="ja-JP" dirty="0" smtClean="0"/>
+              <a:t>12</a:t>
+            </a:r>
+            <a:r>
+              <a:rPr kumimoji="1" lang="ja-JP" altLang="en-US" dirty="0" smtClean="0"/>
+              <a:t>次高調波</a:t>
+            </a:r>
+            <a:endParaRPr kumimoji="1" lang="ja-JP" altLang="en-US" dirty="0"/>
+          </a:p>
+        </p:txBody>
+      </p:sp>
+      <p:sp>
+        <p:nvSpPr>
+          <p:cNvPr id="7" name="正方形/長方形 6"/>
+          <p:cNvSpPr/>
+          <p:nvPr/>
+        </p:nvSpPr>
+        <p:spPr>
+          <a:xfrm>
+            <a:off x="3642817" y="2840625"/>
+            <a:ext cx="476250" cy="2160000"/>
+          </a:xfrm>
+          <a:prstGeom prst="rect">
+            <a:avLst/>
+          </a:prstGeom>
+          <a:noFill/>
+          <a:ln w="19050">
+            <a:solidFill>
+              <a:schemeClr val="tx1"/>
+            </a:solidFill>
+          </a:ln>
+        </p:spPr>
+        <p:style>
+          <a:lnRef idx="2">
+            <a:schemeClr val="accent1">
+              <a:shade val="50000"/>
+            </a:schemeClr>
+          </a:lnRef>
+          <a:fillRef idx="1">
+            <a:schemeClr val="accent1"/>
+          </a:fillRef>
+          <a:effectRef idx="0">
+            <a:schemeClr val="accent1"/>
+          </a:effectRef>
+          <a:fontRef idx="minor">
+            <a:schemeClr val="lt1"/>
+          </a:fontRef>
+        </p:style>
+        <p:txBody>
+          <a:bodyPr rtlCol="0" anchor="ctr"/>
+          <a:lstStyle/>
+          <a:p>
+            <a:pPr algn="ctr"/>
+            <a:endParaRPr kumimoji="1" lang="ja-JP" altLang="en-US"/>
+          </a:p>
+        </p:txBody>
+      </p:sp>
+      <p:sp>
+        <p:nvSpPr>
+          <p:cNvPr id="8" name="正方形/長方形 7"/>
+          <p:cNvSpPr/>
+          <p:nvPr/>
+        </p:nvSpPr>
+        <p:spPr>
+          <a:xfrm>
+            <a:off x="7490917" y="1976625"/>
+            <a:ext cx="476250" cy="3024000"/>
+          </a:xfrm>
+          <a:prstGeom prst="rect">
+            <a:avLst/>
+          </a:prstGeom>
+          <a:noFill/>
+          <a:ln w="19050">
+            <a:solidFill>
+              <a:schemeClr val="tx1"/>
+            </a:solidFill>
+          </a:ln>
+        </p:spPr>
+        <p:style>
+          <a:lnRef idx="2">
+            <a:schemeClr val="accent1">
+              <a:shade val="50000"/>
+            </a:schemeClr>
+          </a:lnRef>
+          <a:fillRef idx="1">
+            <a:schemeClr val="accent1"/>
+          </a:fillRef>
+          <a:effectRef idx="0">
+            <a:schemeClr val="accent1"/>
+          </a:effectRef>
+          <a:fontRef idx="minor">
+            <a:schemeClr val="lt1"/>
+          </a:fontRef>
+        </p:style>
+        <p:txBody>
+          <a:bodyPr rtlCol="0" anchor="ctr"/>
+          <a:lstStyle/>
+          <a:p>
+            <a:pPr algn="ctr"/>
+            <a:endParaRPr kumimoji="1" lang="ja-JP" altLang="en-US"/>
+          </a:p>
+        </p:txBody>
+      </p:sp>
+      <p:sp>
+        <p:nvSpPr>
+          <p:cNvPr id="9" name="テキスト ボックス 8"/>
+          <p:cNvSpPr txBox="1"/>
+          <p:nvPr/>
+        </p:nvSpPr>
+        <p:spPr>
+          <a:xfrm>
+            <a:off x="6676510" y="5101709"/>
+            <a:ext cx="2105063" cy="369332"/>
+          </a:xfrm>
+          <a:prstGeom prst="rect">
+            <a:avLst/>
+          </a:prstGeom>
+          <a:noFill/>
+        </p:spPr>
+        <p:txBody>
+          <a:bodyPr wrap="none" rtlCol="0">
+            <a:spAutoFit/>
+          </a:bodyPr>
+          <a:lstStyle/>
+          <a:p>
+            <a:r>
+              <a:rPr lang="en-US" altLang="ja-JP" dirty="0" smtClean="0"/>
+              <a:t>13</a:t>
+            </a:r>
+            <a:r>
+              <a:rPr kumimoji="1" lang="ja-JP" altLang="en-US" dirty="0" smtClean="0"/>
+              <a:t>次高調波</a:t>
+            </a:r>
+            <a:r>
+              <a:rPr kumimoji="1" lang="en-US" altLang="ja-JP" dirty="0" smtClean="0"/>
+              <a:t>-</a:t>
+            </a:r>
+            <a:r>
+              <a:rPr kumimoji="1" lang="ja-JP" altLang="en-US" dirty="0" smtClean="0"/>
+              <a:t>基本波</a:t>
+            </a:r>
+            <a:endParaRPr kumimoji="1" lang="ja-JP" altLang="en-US" dirty="0"/>
+          </a:p>
+        </p:txBody>
+      </p:sp>
+      <p:sp>
+        <p:nvSpPr>
+          <p:cNvPr id="10" name="テキスト ボックス 9"/>
+          <p:cNvSpPr txBox="1"/>
+          <p:nvPr/>
+        </p:nvSpPr>
+        <p:spPr>
+          <a:xfrm>
+            <a:off x="2805968" y="5107543"/>
+            <a:ext cx="2149948" cy="369332"/>
+          </a:xfrm>
+          <a:prstGeom prst="rect">
+            <a:avLst/>
+          </a:prstGeom>
+          <a:noFill/>
+        </p:spPr>
+        <p:txBody>
+          <a:bodyPr wrap="none" rtlCol="0">
+            <a:spAutoFit/>
+          </a:bodyPr>
+          <a:lstStyle/>
+          <a:p>
+            <a:r>
+              <a:rPr lang="en-US" altLang="ja-JP" dirty="0" smtClean="0"/>
+              <a:t>11</a:t>
+            </a:r>
+            <a:r>
+              <a:rPr kumimoji="1" lang="ja-JP" altLang="en-US" dirty="0" smtClean="0"/>
+              <a:t>次高調波</a:t>
+            </a:r>
+            <a:r>
+              <a:rPr lang="en-US" altLang="ja-JP" dirty="0" smtClean="0"/>
+              <a:t>+</a:t>
+            </a:r>
+            <a:r>
+              <a:rPr lang="ja-JP" altLang="en-US" dirty="0" smtClean="0"/>
+              <a:t>基本波</a:t>
+            </a:r>
+            <a:endParaRPr lang="en-US" altLang="ja-JP" dirty="0"/>
+          </a:p>
+        </p:txBody>
+      </p:sp>
+      <p:cxnSp>
+        <p:nvCxnSpPr>
+          <p:cNvPr id="12" name="直線コネクタ 11"/>
+          <p:cNvCxnSpPr/>
+          <p:nvPr/>
+        </p:nvCxnSpPr>
+        <p:spPr>
+          <a:xfrm>
+            <a:off x="3642817" y="2408625"/>
+            <a:ext cx="476250" cy="0"/>
+          </a:xfrm>
+          <a:prstGeom prst="line">
+            <a:avLst/>
+          </a:prstGeom>
+          <a:ln w="19050"/>
+        </p:spPr>
+        <p:style>
+          <a:lnRef idx="1">
+            <a:schemeClr val="dk1"/>
+          </a:lnRef>
+          <a:fillRef idx="0">
+            <a:schemeClr val="dk1"/>
+          </a:fillRef>
+          <a:effectRef idx="0">
+            <a:schemeClr val="dk1"/>
+          </a:effectRef>
+          <a:fontRef idx="minor">
+            <a:schemeClr val="tx1"/>
+          </a:fontRef>
+        </p:style>
+      </p:cxnSp>
+      <p:cxnSp>
+        <p:nvCxnSpPr>
+          <p:cNvPr id="14" name="直線コネクタ 13"/>
+          <p:cNvCxnSpPr/>
+          <p:nvPr/>
+        </p:nvCxnSpPr>
+        <p:spPr>
+          <a:xfrm>
+            <a:off x="7490917" y="2408625"/>
+            <a:ext cx="476250" cy="0"/>
+          </a:xfrm>
+          <a:prstGeom prst="line">
+            <a:avLst/>
+          </a:prstGeom>
+          <a:ln w="19050"/>
+        </p:spPr>
+        <p:style>
+          <a:lnRef idx="1">
+            <a:schemeClr val="dk1"/>
+          </a:lnRef>
+          <a:fillRef idx="0">
+            <a:schemeClr val="dk1"/>
+          </a:fillRef>
+          <a:effectRef idx="0">
+            <a:schemeClr val="dk1"/>
+          </a:effectRef>
+          <a:fontRef idx="minor">
+            <a:schemeClr val="tx1"/>
+          </a:fontRef>
+        </p:style>
+      </p:cxnSp>
+      <p:cxnSp>
+        <p:nvCxnSpPr>
+          <p:cNvPr id="16" name="直線矢印コネクタ 15"/>
+          <p:cNvCxnSpPr/>
+          <p:nvPr/>
+        </p:nvCxnSpPr>
+        <p:spPr>
+          <a:xfrm flipV="1">
+            <a:off x="3880942" y="2407425"/>
+            <a:ext cx="0" cy="432000"/>
+          </a:xfrm>
+          <a:prstGeom prst="straightConnector1">
+            <a:avLst/>
+          </a:prstGeom>
+          <a:ln>
+            <a:tailEnd type="triangle"/>
+          </a:ln>
+        </p:spPr>
+        <p:style>
+          <a:lnRef idx="1">
+            <a:schemeClr val="dk1"/>
+          </a:lnRef>
+          <a:fillRef idx="0">
+            <a:schemeClr val="dk1"/>
+          </a:fillRef>
+          <a:effectRef idx="0">
+            <a:schemeClr val="dk1"/>
+          </a:effectRef>
+          <a:fontRef idx="minor">
+            <a:schemeClr val="tx1"/>
+          </a:fontRef>
+        </p:style>
+      </p:cxnSp>
+      <p:cxnSp>
+        <p:nvCxnSpPr>
+          <p:cNvPr id="18" name="直線矢印コネクタ 17"/>
+          <p:cNvCxnSpPr>
+            <a:stCxn id="8" idx="0"/>
+          </p:cNvCxnSpPr>
+          <p:nvPr/>
+        </p:nvCxnSpPr>
+        <p:spPr>
+          <a:xfrm>
+            <a:off x="7729042" y="1976625"/>
+            <a:ext cx="0" cy="432000"/>
+          </a:xfrm>
+          <a:prstGeom prst="straightConnector1">
+            <a:avLst/>
+          </a:prstGeom>
+          <a:ln>
+            <a:tailEnd type="triangle"/>
+          </a:ln>
+        </p:spPr>
+        <p:style>
+          <a:lnRef idx="1">
+            <a:schemeClr val="dk1"/>
+          </a:lnRef>
+          <a:fillRef idx="0">
+            <a:schemeClr val="dk1"/>
+          </a:fillRef>
+          <a:effectRef idx="0">
+            <a:schemeClr val="dk1"/>
+          </a:effectRef>
+          <a:fontRef idx="minor">
+            <a:schemeClr val="tx1"/>
+          </a:fontRef>
+        </p:style>
+      </p:cxnSp>
+      <p:sp>
+        <p:nvSpPr>
+          <p:cNvPr id="19" name="テキスト ボックス 18"/>
+          <p:cNvSpPr txBox="1"/>
+          <p:nvPr/>
+        </p:nvSpPr>
+        <p:spPr>
+          <a:xfrm>
+            <a:off x="3096112" y="1924737"/>
+            <a:ext cx="1569660" cy="369332"/>
+          </a:xfrm>
+          <a:prstGeom prst="rect">
+            <a:avLst/>
+          </a:prstGeom>
+          <a:noFill/>
+        </p:spPr>
+        <p:txBody>
+          <a:bodyPr wrap="none" rtlCol="0">
+            <a:spAutoFit/>
+          </a:bodyPr>
+          <a:lstStyle/>
+          <a:p>
+            <a:r>
+              <a:rPr lang="ja-JP" altLang="en-US" dirty="0" smtClean="0"/>
+              <a:t>基本波の吸収</a:t>
+            </a:r>
+            <a:endParaRPr kumimoji="1" lang="ja-JP" altLang="en-US" dirty="0"/>
+          </a:p>
+        </p:txBody>
+      </p:sp>
+      <p:sp>
+        <p:nvSpPr>
+          <p:cNvPr id="20" name="テキスト ボックス 19"/>
+          <p:cNvSpPr txBox="1"/>
+          <p:nvPr/>
+        </p:nvSpPr>
+        <p:spPr>
+          <a:xfrm>
+            <a:off x="6944211" y="1556751"/>
+            <a:ext cx="1569660" cy="369332"/>
+          </a:xfrm>
+          <a:prstGeom prst="rect">
+            <a:avLst/>
+          </a:prstGeom>
+          <a:noFill/>
+        </p:spPr>
+        <p:txBody>
+          <a:bodyPr wrap="none" rtlCol="0">
+            <a:spAutoFit/>
+          </a:bodyPr>
+          <a:lstStyle/>
+          <a:p>
+            <a:r>
+              <a:rPr lang="ja-JP" altLang="en-US" dirty="0" smtClean="0"/>
+              <a:t>基本波の放出</a:t>
+            </a:r>
+            <a:endParaRPr kumimoji="1" lang="ja-JP" altLang="en-US" dirty="0"/>
+          </a:p>
+        </p:txBody>
+      </p:sp>
+      <p:cxnSp>
+        <p:nvCxnSpPr>
+          <p:cNvPr id="22" name="直線コネクタ 21"/>
+          <p:cNvCxnSpPr/>
+          <p:nvPr/>
+        </p:nvCxnSpPr>
+        <p:spPr>
+          <a:xfrm>
+            <a:off x="4119067" y="2407425"/>
+            <a:ext cx="1447800" cy="0"/>
+          </a:xfrm>
+          <a:prstGeom prst="line">
+            <a:avLst/>
+          </a:prstGeom>
+          <a:ln>
+            <a:prstDash val="dash"/>
+          </a:ln>
+        </p:spPr>
+        <p:style>
+          <a:lnRef idx="1">
+            <a:schemeClr val="dk1"/>
+          </a:lnRef>
+          <a:fillRef idx="0">
+            <a:schemeClr val="dk1"/>
+          </a:fillRef>
+          <a:effectRef idx="0">
+            <a:schemeClr val="dk1"/>
+          </a:effectRef>
+          <a:fontRef idx="minor">
+            <a:schemeClr val="tx1"/>
+          </a:fontRef>
+        </p:style>
+      </p:cxnSp>
+      <p:cxnSp>
+        <p:nvCxnSpPr>
+          <p:cNvPr id="23" name="直線コネクタ 22"/>
+          <p:cNvCxnSpPr/>
+          <p:nvPr/>
+        </p:nvCxnSpPr>
+        <p:spPr>
+          <a:xfrm>
+            <a:off x="6043117" y="2407425"/>
+            <a:ext cx="1447800" cy="0"/>
+          </a:xfrm>
+          <a:prstGeom prst="line">
+            <a:avLst/>
+          </a:prstGeom>
+          <a:ln>
+            <a:prstDash val="dash"/>
+          </a:ln>
+        </p:spPr>
+        <p:style>
+          <a:lnRef idx="1">
+            <a:schemeClr val="dk1"/>
+          </a:lnRef>
+          <a:fillRef idx="0">
+            <a:schemeClr val="dk1"/>
+          </a:fillRef>
+          <a:effectRef idx="0">
+            <a:schemeClr val="dk1"/>
+          </a:effectRef>
+          <a:fontRef idx="minor">
+            <a:schemeClr val="tx1"/>
+          </a:fontRef>
+        </p:style>
+      </p:cxnSp>
     </p:spTree>
     <p:extLst>
       <p:ext uri="{BB962C8B-B14F-4D97-AF65-F5344CB8AC3E}">

--- a/図/使用した光学系.pptx
+++ b/図/使用した光学系.pptx
@@ -4,11 +4,17 @@
   <p:sldMasterIdLst>
     <p:sldMasterId id="2147483648" r:id="rId1"/>
   </p:sldMasterIdLst>
+  <p:notesMasterIdLst>
+    <p:notesMasterId r:id="rId9"/>
+  </p:notesMasterIdLst>
   <p:sldIdLst>
     <p:sldId id="256" r:id="rId2"/>
     <p:sldId id="257" r:id="rId3"/>
     <p:sldId id="258" r:id="rId4"/>
     <p:sldId id="259" r:id="rId5"/>
+    <p:sldId id="260" r:id="rId6"/>
+    <p:sldId id="261" r:id="rId7"/>
+    <p:sldId id="262" r:id="rId8"/>
   </p:sldIdLst>
   <p:sldSz cx="12192000" cy="6858000"/>
   <p:notesSz cx="6858000" cy="9144000"/>
@@ -115,6 +121,504 @@
 </p:presentation>
 </file>
 
+<file path=ppt/notesMasters/notesMaster1.xml><?xml version="1.0" encoding="utf-8"?>
+<p:notesMaster xmlns:a="http://schemas.openxmlformats.org/drawingml/2006/main" xmlns:r="http://schemas.openxmlformats.org/officeDocument/2006/relationships" xmlns:p="http://schemas.openxmlformats.org/presentationml/2006/main">
+  <p:cSld>
+    <p:bg>
+      <p:bgRef idx="1001">
+        <a:schemeClr val="bg1"/>
+      </p:bgRef>
+    </p:bg>
+    <p:spTree>
+      <p:nvGrpSpPr>
+        <p:cNvPr id="1" name=""/>
+        <p:cNvGrpSpPr/>
+        <p:nvPr/>
+      </p:nvGrpSpPr>
+      <p:grpSpPr>
+        <a:xfrm>
+          <a:off x="0" y="0"/>
+          <a:ext cx="0" cy="0"/>
+          <a:chOff x="0" y="0"/>
+          <a:chExt cx="0" cy="0"/>
+        </a:xfrm>
+      </p:grpSpPr>
+      <p:sp>
+        <p:nvSpPr>
+          <p:cNvPr id="2" name="ヘッダー プレースホルダー 1"/>
+          <p:cNvSpPr>
+            <a:spLocks noGrp="1"/>
+          </p:cNvSpPr>
+          <p:nvPr>
+            <p:ph type="hdr" sz="quarter"/>
+          </p:nvPr>
+        </p:nvSpPr>
+        <p:spPr>
+          <a:xfrm>
+            <a:off x="0" y="0"/>
+            <a:ext cx="2971800" cy="458788"/>
+          </a:xfrm>
+          <a:prstGeom prst="rect">
+            <a:avLst/>
+          </a:prstGeom>
+        </p:spPr>
+        <p:txBody>
+          <a:bodyPr vert="horz" lIns="91440" tIns="45720" rIns="91440" bIns="45720" rtlCol="0"/>
+          <a:lstStyle>
+            <a:lvl1pPr algn="l">
+              <a:defRPr sz="1200"/>
+            </a:lvl1pPr>
+          </a:lstStyle>
+          <a:p>
+            <a:endParaRPr kumimoji="1" lang="ja-JP" altLang="en-US"/>
+          </a:p>
+        </p:txBody>
+      </p:sp>
+      <p:sp>
+        <p:nvSpPr>
+          <p:cNvPr id="3" name="日付プレースホルダー 2"/>
+          <p:cNvSpPr>
+            <a:spLocks noGrp="1"/>
+          </p:cNvSpPr>
+          <p:nvPr>
+            <p:ph type="dt" idx="1"/>
+          </p:nvPr>
+        </p:nvSpPr>
+        <p:spPr>
+          <a:xfrm>
+            <a:off x="3884613" y="0"/>
+            <a:ext cx="2971800" cy="458788"/>
+          </a:xfrm>
+          <a:prstGeom prst="rect">
+            <a:avLst/>
+          </a:prstGeom>
+        </p:spPr>
+        <p:txBody>
+          <a:bodyPr vert="horz" lIns="91440" tIns="45720" rIns="91440" bIns="45720" rtlCol="0"/>
+          <a:lstStyle>
+            <a:lvl1pPr algn="r">
+              <a:defRPr sz="1200"/>
+            </a:lvl1pPr>
+          </a:lstStyle>
+          <a:p>
+            <a:fld id="{E0B46874-C680-424F-BEDD-8574F74A4FA8}" type="datetimeFigureOut">
+              <a:rPr kumimoji="1" lang="ja-JP" altLang="en-US" smtClean="0"/>
+              <a:t>2021/1/20</a:t>
+            </a:fld>
+            <a:endParaRPr kumimoji="1" lang="ja-JP" altLang="en-US"/>
+          </a:p>
+        </p:txBody>
+      </p:sp>
+      <p:sp>
+        <p:nvSpPr>
+          <p:cNvPr id="4" name="スライド イメージ プレースホルダー 3"/>
+          <p:cNvSpPr>
+            <a:spLocks noGrp="1" noRot="1" noChangeAspect="1"/>
+          </p:cNvSpPr>
+          <p:nvPr>
+            <p:ph type="sldImg" idx="2"/>
+          </p:nvPr>
+        </p:nvSpPr>
+        <p:spPr>
+          <a:xfrm>
+            <a:off x="685800" y="1143000"/>
+            <a:ext cx="5486400" cy="3086100"/>
+          </a:xfrm>
+          <a:prstGeom prst="rect">
+            <a:avLst/>
+          </a:prstGeom>
+          <a:noFill/>
+          <a:ln w="12700">
+            <a:solidFill>
+              <a:prstClr val="black"/>
+            </a:solidFill>
+          </a:ln>
+        </p:spPr>
+        <p:txBody>
+          <a:bodyPr vert="horz" lIns="91440" tIns="45720" rIns="91440" bIns="45720" rtlCol="0" anchor="ctr"/>
+          <a:lstStyle/>
+          <a:p>
+            <a:endParaRPr lang="ja-JP" altLang="en-US"/>
+          </a:p>
+        </p:txBody>
+      </p:sp>
+      <p:sp>
+        <p:nvSpPr>
+          <p:cNvPr id="5" name="ノート プレースホルダー 4"/>
+          <p:cNvSpPr>
+            <a:spLocks noGrp="1"/>
+          </p:cNvSpPr>
+          <p:nvPr>
+            <p:ph type="body" sz="quarter" idx="3"/>
+          </p:nvPr>
+        </p:nvSpPr>
+        <p:spPr>
+          <a:xfrm>
+            <a:off x="685800" y="4400550"/>
+            <a:ext cx="5486400" cy="3600450"/>
+          </a:xfrm>
+          <a:prstGeom prst="rect">
+            <a:avLst/>
+          </a:prstGeom>
+        </p:spPr>
+        <p:txBody>
+          <a:bodyPr vert="horz" lIns="91440" tIns="45720" rIns="91440" bIns="45720" rtlCol="0"/>
+          <a:lstStyle/>
+          <a:p>
+            <a:pPr lvl="0"/>
+            <a:r>
+              <a:rPr kumimoji="1" lang="ja-JP" altLang="en-US" smtClean="0"/>
+              <a:t>マスター テキストの書式設定</a:t>
+            </a:r>
+          </a:p>
+          <a:p>
+            <a:pPr lvl="1"/>
+            <a:r>
+              <a:rPr kumimoji="1" lang="ja-JP" altLang="en-US" smtClean="0"/>
+              <a:t>第 </a:t>
+            </a:r>
+            <a:r>
+              <a:rPr kumimoji="1" lang="en-US" altLang="ja-JP" smtClean="0"/>
+              <a:t>2 </a:t>
+            </a:r>
+            <a:r>
+              <a:rPr kumimoji="1" lang="ja-JP" altLang="en-US" smtClean="0"/>
+              <a:t>レベル</a:t>
+            </a:r>
+          </a:p>
+          <a:p>
+            <a:pPr lvl="2"/>
+            <a:r>
+              <a:rPr kumimoji="1" lang="ja-JP" altLang="en-US" smtClean="0"/>
+              <a:t>第 </a:t>
+            </a:r>
+            <a:r>
+              <a:rPr kumimoji="1" lang="en-US" altLang="ja-JP" smtClean="0"/>
+              <a:t>3 </a:t>
+            </a:r>
+            <a:r>
+              <a:rPr kumimoji="1" lang="ja-JP" altLang="en-US" smtClean="0"/>
+              <a:t>レベル</a:t>
+            </a:r>
+          </a:p>
+          <a:p>
+            <a:pPr lvl="3"/>
+            <a:r>
+              <a:rPr kumimoji="1" lang="ja-JP" altLang="en-US" smtClean="0"/>
+              <a:t>第 </a:t>
+            </a:r>
+            <a:r>
+              <a:rPr kumimoji="1" lang="en-US" altLang="ja-JP" smtClean="0"/>
+              <a:t>4 </a:t>
+            </a:r>
+            <a:r>
+              <a:rPr kumimoji="1" lang="ja-JP" altLang="en-US" smtClean="0"/>
+              <a:t>レベル</a:t>
+            </a:r>
+          </a:p>
+          <a:p>
+            <a:pPr lvl="4"/>
+            <a:r>
+              <a:rPr kumimoji="1" lang="ja-JP" altLang="en-US" smtClean="0"/>
+              <a:t>第 </a:t>
+            </a:r>
+            <a:r>
+              <a:rPr kumimoji="1" lang="en-US" altLang="ja-JP" smtClean="0"/>
+              <a:t>5 </a:t>
+            </a:r>
+            <a:r>
+              <a:rPr kumimoji="1" lang="ja-JP" altLang="en-US" smtClean="0"/>
+              <a:t>レベル</a:t>
+            </a:r>
+            <a:endParaRPr kumimoji="1" lang="ja-JP" altLang="en-US"/>
+          </a:p>
+        </p:txBody>
+      </p:sp>
+      <p:sp>
+        <p:nvSpPr>
+          <p:cNvPr id="6" name="フッター プレースホルダー 5"/>
+          <p:cNvSpPr>
+            <a:spLocks noGrp="1"/>
+          </p:cNvSpPr>
+          <p:nvPr>
+            <p:ph type="ftr" sz="quarter" idx="4"/>
+          </p:nvPr>
+        </p:nvSpPr>
+        <p:spPr>
+          <a:xfrm>
+            <a:off x="0" y="8685213"/>
+            <a:ext cx="2971800" cy="458787"/>
+          </a:xfrm>
+          <a:prstGeom prst="rect">
+            <a:avLst/>
+          </a:prstGeom>
+        </p:spPr>
+        <p:txBody>
+          <a:bodyPr vert="horz" lIns="91440" tIns="45720" rIns="91440" bIns="45720" rtlCol="0" anchor="b"/>
+          <a:lstStyle>
+            <a:lvl1pPr algn="l">
+              <a:defRPr sz="1200"/>
+            </a:lvl1pPr>
+          </a:lstStyle>
+          <a:p>
+            <a:endParaRPr kumimoji="1" lang="ja-JP" altLang="en-US"/>
+          </a:p>
+        </p:txBody>
+      </p:sp>
+      <p:sp>
+        <p:nvSpPr>
+          <p:cNvPr id="7" name="スライド番号プレースホルダー 6"/>
+          <p:cNvSpPr>
+            <a:spLocks noGrp="1"/>
+          </p:cNvSpPr>
+          <p:nvPr>
+            <p:ph type="sldNum" sz="quarter" idx="5"/>
+          </p:nvPr>
+        </p:nvSpPr>
+        <p:spPr>
+          <a:xfrm>
+            <a:off x="3884613" y="8685213"/>
+            <a:ext cx="2971800" cy="458787"/>
+          </a:xfrm>
+          <a:prstGeom prst="rect">
+            <a:avLst/>
+          </a:prstGeom>
+        </p:spPr>
+        <p:txBody>
+          <a:bodyPr vert="horz" lIns="91440" tIns="45720" rIns="91440" bIns="45720" rtlCol="0" anchor="b"/>
+          <a:lstStyle>
+            <a:lvl1pPr algn="r">
+              <a:defRPr sz="1200"/>
+            </a:lvl1pPr>
+          </a:lstStyle>
+          <a:p>
+            <a:fld id="{A93B5D4D-F844-4AC2-AE1E-5B2FA9F2570F}" type="slidenum">
+              <a:rPr kumimoji="1" lang="ja-JP" altLang="en-US" smtClean="0"/>
+              <a:t>‹#›</a:t>
+            </a:fld>
+            <a:endParaRPr kumimoji="1" lang="ja-JP" altLang="en-US"/>
+          </a:p>
+        </p:txBody>
+      </p:sp>
+    </p:spTree>
+    <p:extLst>
+      <p:ext uri="{BB962C8B-B14F-4D97-AF65-F5344CB8AC3E}">
+        <p14:creationId xmlns:p14="http://schemas.microsoft.com/office/powerpoint/2010/main" val="133306795"/>
+      </p:ext>
+    </p:extLst>
+  </p:cSld>
+  <p:clrMap bg1="lt1" tx1="dk1" bg2="lt2" tx2="dk2" accent1="accent1" accent2="accent2" accent3="accent3" accent4="accent4" accent5="accent5" accent6="accent6" hlink="hlink" folHlink="folHlink"/>
+  <p:notesStyle>
+    <a:lvl1pPr marL="0" algn="l" defTabSz="914400" rtl="0" eaLnBrk="1" latinLnBrk="0" hangingPunct="1">
+      <a:defRPr kumimoji="1" sz="1200" kern="1200">
+        <a:solidFill>
+          <a:schemeClr val="tx1"/>
+        </a:solidFill>
+        <a:latin typeface="+mn-lt"/>
+        <a:ea typeface="+mn-ea"/>
+        <a:cs typeface="+mn-cs"/>
+      </a:defRPr>
+    </a:lvl1pPr>
+    <a:lvl2pPr marL="457200" algn="l" defTabSz="914400" rtl="0" eaLnBrk="1" latinLnBrk="0" hangingPunct="1">
+      <a:defRPr kumimoji="1" sz="1200" kern="1200">
+        <a:solidFill>
+          <a:schemeClr val="tx1"/>
+        </a:solidFill>
+        <a:latin typeface="+mn-lt"/>
+        <a:ea typeface="+mn-ea"/>
+        <a:cs typeface="+mn-cs"/>
+      </a:defRPr>
+    </a:lvl2pPr>
+    <a:lvl3pPr marL="914400" algn="l" defTabSz="914400" rtl="0" eaLnBrk="1" latinLnBrk="0" hangingPunct="1">
+      <a:defRPr kumimoji="1" sz="1200" kern="1200">
+        <a:solidFill>
+          <a:schemeClr val="tx1"/>
+        </a:solidFill>
+        <a:latin typeface="+mn-lt"/>
+        <a:ea typeface="+mn-ea"/>
+        <a:cs typeface="+mn-cs"/>
+      </a:defRPr>
+    </a:lvl3pPr>
+    <a:lvl4pPr marL="1371600" algn="l" defTabSz="914400" rtl="0" eaLnBrk="1" latinLnBrk="0" hangingPunct="1">
+      <a:defRPr kumimoji="1" sz="1200" kern="1200">
+        <a:solidFill>
+          <a:schemeClr val="tx1"/>
+        </a:solidFill>
+        <a:latin typeface="+mn-lt"/>
+        <a:ea typeface="+mn-ea"/>
+        <a:cs typeface="+mn-cs"/>
+      </a:defRPr>
+    </a:lvl4pPr>
+    <a:lvl5pPr marL="1828800" algn="l" defTabSz="914400" rtl="0" eaLnBrk="1" latinLnBrk="0" hangingPunct="1">
+      <a:defRPr kumimoji="1" sz="1200" kern="1200">
+        <a:solidFill>
+          <a:schemeClr val="tx1"/>
+        </a:solidFill>
+        <a:latin typeface="+mn-lt"/>
+        <a:ea typeface="+mn-ea"/>
+        <a:cs typeface="+mn-cs"/>
+      </a:defRPr>
+    </a:lvl5pPr>
+    <a:lvl6pPr marL="2286000" algn="l" defTabSz="914400" rtl="0" eaLnBrk="1" latinLnBrk="0" hangingPunct="1">
+      <a:defRPr kumimoji="1" sz="1200" kern="1200">
+        <a:solidFill>
+          <a:schemeClr val="tx1"/>
+        </a:solidFill>
+        <a:latin typeface="+mn-lt"/>
+        <a:ea typeface="+mn-ea"/>
+        <a:cs typeface="+mn-cs"/>
+      </a:defRPr>
+    </a:lvl6pPr>
+    <a:lvl7pPr marL="2743200" algn="l" defTabSz="914400" rtl="0" eaLnBrk="1" latinLnBrk="0" hangingPunct="1">
+      <a:defRPr kumimoji="1" sz="1200" kern="1200">
+        <a:solidFill>
+          <a:schemeClr val="tx1"/>
+        </a:solidFill>
+        <a:latin typeface="+mn-lt"/>
+        <a:ea typeface="+mn-ea"/>
+        <a:cs typeface="+mn-cs"/>
+      </a:defRPr>
+    </a:lvl7pPr>
+    <a:lvl8pPr marL="3200400" algn="l" defTabSz="914400" rtl="0" eaLnBrk="1" latinLnBrk="0" hangingPunct="1">
+      <a:defRPr kumimoji="1" sz="1200" kern="1200">
+        <a:solidFill>
+          <a:schemeClr val="tx1"/>
+        </a:solidFill>
+        <a:latin typeface="+mn-lt"/>
+        <a:ea typeface="+mn-ea"/>
+        <a:cs typeface="+mn-cs"/>
+      </a:defRPr>
+    </a:lvl8pPr>
+    <a:lvl9pPr marL="3657600" algn="l" defTabSz="914400" rtl="0" eaLnBrk="1" latinLnBrk="0" hangingPunct="1">
+      <a:defRPr kumimoji="1" sz="1200" kern="1200">
+        <a:solidFill>
+          <a:schemeClr val="tx1"/>
+        </a:solidFill>
+        <a:latin typeface="+mn-lt"/>
+        <a:ea typeface="+mn-ea"/>
+        <a:cs typeface="+mn-cs"/>
+      </a:defRPr>
+    </a:lvl9pPr>
+  </p:notesStyle>
+</p:notesMaster>
+</file>
+
+<file path=ppt/notesSlides/notesSlide1.xml><?xml version="1.0" encoding="utf-8"?>
+<p:notes xmlns:a="http://schemas.openxmlformats.org/drawingml/2006/main" xmlns:r="http://schemas.openxmlformats.org/officeDocument/2006/relationships" xmlns:p="http://schemas.openxmlformats.org/presentationml/2006/main">
+  <p:cSld>
+    <p:spTree>
+      <p:nvGrpSpPr>
+        <p:cNvPr id="1" name=""/>
+        <p:cNvGrpSpPr/>
+        <p:nvPr/>
+      </p:nvGrpSpPr>
+      <p:grpSpPr>
+        <a:xfrm>
+          <a:off x="0" y="0"/>
+          <a:ext cx="0" cy="0"/>
+          <a:chOff x="0" y="0"/>
+          <a:chExt cx="0" cy="0"/>
+        </a:xfrm>
+      </p:grpSpPr>
+      <p:sp>
+        <p:nvSpPr>
+          <p:cNvPr id="2" name="スライド イメージ プレースホルダー 1"/>
+          <p:cNvSpPr>
+            <a:spLocks noGrp="1" noRot="1" noChangeAspect="1"/>
+          </p:cNvSpPr>
+          <p:nvPr>
+            <p:ph type="sldImg"/>
+          </p:nvPr>
+        </p:nvSpPr>
+        <p:spPr/>
+      </p:sp>
+      <p:sp>
+        <p:nvSpPr>
+          <p:cNvPr id="3" name="ノート プレースホルダー 2"/>
+          <p:cNvSpPr>
+            <a:spLocks noGrp="1"/>
+          </p:cNvSpPr>
+          <p:nvPr>
+            <p:ph type="body" idx="1"/>
+          </p:nvPr>
+        </p:nvSpPr>
+        <p:spPr/>
+        <p:txBody>
+          <a:bodyPr/>
+          <a:lstStyle/>
+          <a:p>
+            <a:r>
+              <a:rPr kumimoji="1" lang="ja-JP" altLang="en-US" dirty="0" smtClean="0"/>
+              <a:t>（</a:t>
+            </a:r>
+            <a:r>
+              <a:rPr kumimoji="1" lang="en-US" altLang="ja-JP" dirty="0" smtClean="0"/>
+              <a:t>1/20)</a:t>
+            </a:r>
+            <a:r>
+              <a:rPr kumimoji="1" lang="ja-JP" altLang="en-US" dirty="0" smtClean="0"/>
+              <a:t>元の図で</a:t>
+            </a:r>
+            <a:r>
+              <a:rPr kumimoji="1" lang="en-US" altLang="ja-JP" dirty="0" err="1" smtClean="0"/>
+              <a:t>x,y</a:t>
+            </a:r>
+            <a:r>
+              <a:rPr kumimoji="1" lang="ja-JP" altLang="en-US" dirty="0" smtClean="0"/>
+              <a:t>を逆に配置している気がしたので，「左右反転」したあと「反時計回りに</a:t>
+            </a:r>
+            <a:r>
+              <a:rPr kumimoji="1" lang="en-US" altLang="ja-JP" dirty="0" smtClean="0"/>
+              <a:t>90</a:t>
+            </a:r>
+            <a:r>
+              <a:rPr kumimoji="1" lang="ja-JP" altLang="en-US" dirty="0" smtClean="0"/>
+              <a:t>度回転」した</a:t>
+            </a:r>
+            <a:r>
+              <a:rPr kumimoji="1" lang="en-US" altLang="ja-JP" dirty="0" smtClean="0"/>
+              <a:t>. </a:t>
+            </a:r>
+            <a:endParaRPr kumimoji="1" lang="ja-JP" altLang="en-US" dirty="0"/>
+          </a:p>
+        </p:txBody>
+      </p:sp>
+      <p:sp>
+        <p:nvSpPr>
+          <p:cNvPr id="4" name="スライド番号プレースホルダー 3"/>
+          <p:cNvSpPr>
+            <a:spLocks noGrp="1"/>
+          </p:cNvSpPr>
+          <p:nvPr>
+            <p:ph type="sldNum" sz="quarter" idx="10"/>
+          </p:nvPr>
+        </p:nvSpPr>
+        <p:spPr/>
+        <p:txBody>
+          <a:bodyPr/>
+          <a:lstStyle/>
+          <a:p>
+            <a:fld id="{A93B5D4D-F844-4AC2-AE1E-5B2FA9F2570F}" type="slidenum">
+              <a:rPr kumimoji="1" lang="ja-JP" altLang="en-US" smtClean="0"/>
+              <a:t>5</a:t>
+            </a:fld>
+            <a:endParaRPr kumimoji="1" lang="ja-JP" altLang="en-US"/>
+          </a:p>
+        </p:txBody>
+      </p:sp>
+    </p:spTree>
+    <p:extLst>
+      <p:ext uri="{BB962C8B-B14F-4D97-AF65-F5344CB8AC3E}">
+        <p14:creationId xmlns:p14="http://schemas.microsoft.com/office/powerpoint/2010/main" val="161529123"/>
+      </p:ext>
+    </p:extLst>
+  </p:cSld>
+  <p:clrMapOvr>
+    <a:masterClrMapping/>
+  </p:clrMapOvr>
+</p:notes>
+</file>
+
 <file path=ppt/slideLayouts/slideLayout1.xml><?xml version="1.0" encoding="utf-8"?>
 <p:sldLayout xmlns:a="http://schemas.openxmlformats.org/drawingml/2006/main" xmlns:r="http://schemas.openxmlformats.org/officeDocument/2006/relationships" xmlns:p="http://schemas.openxmlformats.org/presentationml/2006/main" type="title" preserve="1">
   <p:cSld name="タイトル スライド">
@@ -246,7 +750,7 @@
           <a:p>
             <a:fld id="{1058E222-3311-4DDB-A469-A7F4B944C488}" type="datetimeFigureOut">
               <a:rPr kumimoji="1" lang="ja-JP" altLang="en-US" smtClean="0"/>
-              <a:t>2021/1/18</a:t>
+              <a:t>2021/1/20</a:t>
             </a:fld>
             <a:endParaRPr kumimoji="1" lang="ja-JP" altLang="en-US"/>
           </a:p>
@@ -448,7 +952,7 @@
           <a:p>
             <a:fld id="{1058E222-3311-4DDB-A469-A7F4B944C488}" type="datetimeFigureOut">
               <a:rPr kumimoji="1" lang="ja-JP" altLang="en-US" smtClean="0"/>
-              <a:t>2021/1/18</a:t>
+              <a:t>2021/1/20</a:t>
             </a:fld>
             <a:endParaRPr kumimoji="1" lang="ja-JP" altLang="en-US"/>
           </a:p>
@@ -660,7 +1164,7 @@
           <a:p>
             <a:fld id="{1058E222-3311-4DDB-A469-A7F4B944C488}" type="datetimeFigureOut">
               <a:rPr kumimoji="1" lang="ja-JP" altLang="en-US" smtClean="0"/>
-              <a:t>2021/1/18</a:t>
+              <a:t>2021/1/20</a:t>
             </a:fld>
             <a:endParaRPr kumimoji="1" lang="ja-JP" altLang="en-US"/>
           </a:p>
@@ -862,7 +1366,7 @@
           <a:p>
             <a:fld id="{1058E222-3311-4DDB-A469-A7F4B944C488}" type="datetimeFigureOut">
               <a:rPr kumimoji="1" lang="ja-JP" altLang="en-US" smtClean="0"/>
-              <a:t>2021/1/18</a:t>
+              <a:t>2021/1/20</a:t>
             </a:fld>
             <a:endParaRPr kumimoji="1" lang="ja-JP" altLang="en-US"/>
           </a:p>
@@ -1108,7 +1612,7 @@
           <a:p>
             <a:fld id="{1058E222-3311-4DDB-A469-A7F4B944C488}" type="datetimeFigureOut">
               <a:rPr kumimoji="1" lang="ja-JP" altLang="en-US" smtClean="0"/>
-              <a:t>2021/1/18</a:t>
+              <a:t>2021/1/20</a:t>
             </a:fld>
             <a:endParaRPr kumimoji="1" lang="ja-JP" altLang="en-US"/>
           </a:p>
@@ -1404,7 +1908,7 @@
           <a:p>
             <a:fld id="{1058E222-3311-4DDB-A469-A7F4B944C488}" type="datetimeFigureOut">
               <a:rPr kumimoji="1" lang="ja-JP" altLang="en-US" smtClean="0"/>
-              <a:t>2021/1/18</a:t>
+              <a:t>2021/1/20</a:t>
             </a:fld>
             <a:endParaRPr kumimoji="1" lang="ja-JP" altLang="en-US"/>
           </a:p>
@@ -1835,7 +2339,7 @@
           <a:p>
             <a:fld id="{1058E222-3311-4DDB-A469-A7F4B944C488}" type="datetimeFigureOut">
               <a:rPr kumimoji="1" lang="ja-JP" altLang="en-US" smtClean="0"/>
-              <a:t>2021/1/18</a:t>
+              <a:t>2021/1/20</a:t>
             </a:fld>
             <a:endParaRPr kumimoji="1" lang="ja-JP" altLang="en-US"/>
           </a:p>
@@ -1953,7 +2457,7 @@
           <a:p>
             <a:fld id="{1058E222-3311-4DDB-A469-A7F4B944C488}" type="datetimeFigureOut">
               <a:rPr kumimoji="1" lang="ja-JP" altLang="en-US" smtClean="0"/>
-              <a:t>2021/1/18</a:t>
+              <a:t>2021/1/20</a:t>
             </a:fld>
             <a:endParaRPr kumimoji="1" lang="ja-JP" altLang="en-US"/>
           </a:p>
@@ -2048,7 +2552,7 @@
           <a:p>
             <a:fld id="{1058E222-3311-4DDB-A469-A7F4B944C488}" type="datetimeFigureOut">
               <a:rPr kumimoji="1" lang="ja-JP" altLang="en-US" smtClean="0"/>
-              <a:t>2021/1/18</a:t>
+              <a:t>2021/1/20</a:t>
             </a:fld>
             <a:endParaRPr kumimoji="1" lang="ja-JP" altLang="en-US"/>
           </a:p>
@@ -2357,7 +2861,7 @@
           <a:p>
             <a:fld id="{1058E222-3311-4DDB-A469-A7F4B944C488}" type="datetimeFigureOut">
               <a:rPr kumimoji="1" lang="ja-JP" altLang="en-US" smtClean="0"/>
-              <a:t>2021/1/18</a:t>
+              <a:t>2021/1/20</a:t>
             </a:fld>
             <a:endParaRPr kumimoji="1" lang="ja-JP" altLang="en-US"/>
           </a:p>
@@ -2610,7 +3114,7 @@
           <a:p>
             <a:fld id="{1058E222-3311-4DDB-A469-A7F4B944C488}" type="datetimeFigureOut">
               <a:rPr kumimoji="1" lang="ja-JP" altLang="en-US" smtClean="0"/>
-              <a:t>2021/1/18</a:t>
+              <a:t>2021/1/20</a:t>
             </a:fld>
             <a:endParaRPr kumimoji="1" lang="ja-JP" altLang="en-US"/>
           </a:p>
@@ -2855,7 +3359,7 @@
           <a:p>
             <a:fld id="{1058E222-3311-4DDB-A469-A7F4B944C488}" type="datetimeFigureOut">
               <a:rPr kumimoji="1" lang="ja-JP" altLang="en-US" smtClean="0"/>
-              <a:t>2021/1/18</a:t>
+              <a:t>2021/1/20</a:t>
             </a:fld>
             <a:endParaRPr kumimoji="1" lang="ja-JP" altLang="en-US"/>
           </a:p>
@@ -3948,11 +4452,7 @@
           <a:p>
             <a:r>
               <a:rPr lang="en-US" altLang="ja-JP" sz="1600" dirty="0" smtClean="0"/>
-              <a:t>(a)</a:t>
-            </a:r>
-            <a:r>
-              <a:rPr lang="en-US" altLang="ja-JP" sz="1600" dirty="0" smtClean="0"/>
-              <a:t>800nm</a:t>
+              <a:t>(a)800nm</a:t>
             </a:r>
             <a:r>
               <a:rPr lang="ja-JP" altLang="en-US" sz="1600" dirty="0" smtClean="0"/>
@@ -4120,11 +4620,7 @@
             </a:r>
             <a:r>
               <a:rPr kumimoji="1" lang="en-US" altLang="ja-JP" sz="1600" dirty="0" smtClean="0"/>
-              <a:t>fused </a:t>
-            </a:r>
-            <a:r>
-              <a:rPr kumimoji="1" lang="en-US" altLang="ja-JP" sz="1600" dirty="0" smtClean="0"/>
-              <a:t>silica</a:t>
+              <a:t>fused silica</a:t>
             </a:r>
           </a:p>
         </p:txBody>
@@ -4303,11 +4799,7 @@
             </a:r>
             <a:r>
               <a:rPr kumimoji="1" lang="ja-JP" altLang="en-US" sz="1600" dirty="0" smtClean="0"/>
-              <a:t>非線形</a:t>
-            </a:r>
-            <a:r>
-              <a:rPr kumimoji="1" lang="ja-JP" altLang="en-US" sz="1600" dirty="0" smtClean="0"/>
-              <a:t>結晶</a:t>
+              <a:t>非線形結晶</a:t>
             </a:r>
             <a:endParaRPr kumimoji="1" lang="en-US" altLang="ja-JP" sz="1600" dirty="0" smtClean="0"/>
           </a:p>
@@ -5199,8 +5691,8 @@
           </a:p>
         </p:txBody>
       </p:sp>
-      <mc:AlternateContent xmlns:mc="http://schemas.openxmlformats.org/markup-compatibility/2006">
-        <mc:Choice xmlns:a14="http://schemas.microsoft.com/office/drawing/2010/main" Requires="a14">
+      <mc:AlternateContent xmlns:mc="http://schemas.openxmlformats.org/markup-compatibility/2006" xmlns:a14="http://schemas.microsoft.com/office/drawing/2010/main">
+        <mc:Choice Requires="a14">
           <p:sp>
             <p:nvSpPr>
               <p:cNvPr id="21" name="テキスト ボックス 20"/>
@@ -5223,6 +5715,7 @@
               </a:bodyPr>
               <a:lstStyle/>
               <a:p>
+                <a:pPr/>
                 <a14:m>
                   <m:oMathPara xmlns:m="http://schemas.openxmlformats.org/officeDocument/2006/math">
                     <m:oMathParaPr>
@@ -5243,7 +5736,7 @@
             </p:txBody>
           </p:sp>
         </mc:Choice>
-        <mc:Fallback>
+        <mc:Fallback xmlns="">
           <p:sp>
             <p:nvSpPr>
               <p:cNvPr id="21" name="テキスト ボックス 20"/>
@@ -5282,8 +5775,8 @@
           </p:sp>
         </mc:Fallback>
       </mc:AlternateContent>
-      <mc:AlternateContent xmlns:mc="http://schemas.openxmlformats.org/markup-compatibility/2006">
-        <mc:Choice xmlns:a14="http://schemas.microsoft.com/office/drawing/2010/main" Requires="a14">
+      <mc:AlternateContent xmlns:mc="http://schemas.openxmlformats.org/markup-compatibility/2006" xmlns:a14="http://schemas.microsoft.com/office/drawing/2010/main">
+        <mc:Choice Requires="a14">
           <p:sp>
             <p:nvSpPr>
               <p:cNvPr id="46" name="テキスト ボックス 45"/>
@@ -5306,6 +5799,7 @@
               </a:bodyPr>
               <a:lstStyle/>
               <a:p>
+                <a:pPr/>
                 <a14:m>
                   <m:oMathPara xmlns:m="http://schemas.openxmlformats.org/officeDocument/2006/math">
                     <m:oMathParaPr>
@@ -5326,7 +5820,7 @@
             </p:txBody>
           </p:sp>
         </mc:Choice>
-        <mc:Fallback>
+        <mc:Fallback xmlns="">
           <p:sp>
             <p:nvSpPr>
               <p:cNvPr id="46" name="テキスト ボックス 45"/>
@@ -5365,8 +5859,8 @@
           </p:sp>
         </mc:Fallback>
       </mc:AlternateContent>
-      <mc:AlternateContent xmlns:mc="http://schemas.openxmlformats.org/markup-compatibility/2006">
-        <mc:Choice xmlns:a14="http://schemas.microsoft.com/office/drawing/2010/main" Requires="a14">
+      <mc:AlternateContent xmlns:mc="http://schemas.openxmlformats.org/markup-compatibility/2006" xmlns:a14="http://schemas.microsoft.com/office/drawing/2010/main">
+        <mc:Choice Requires="a14">
           <p:sp>
             <p:nvSpPr>
               <p:cNvPr id="48" name="テキスト ボックス 47"/>
@@ -5389,6 +5883,7 @@
               </a:bodyPr>
               <a:lstStyle/>
               <a:p>
+                <a:pPr/>
                 <a14:m>
                   <m:oMathPara xmlns:m="http://schemas.openxmlformats.org/officeDocument/2006/math">
                     <m:oMathParaPr>
@@ -5409,7 +5904,7 @@
             </p:txBody>
           </p:sp>
         </mc:Choice>
-        <mc:Fallback>
+        <mc:Fallback xmlns="">
           <p:sp>
             <p:nvSpPr>
               <p:cNvPr id="48" name="テキスト ボックス 47"/>
@@ -7088,6 +7583,1181 @@
 </p:sld>
 </file>
 
+<file path=ppt/slides/slide5.xml><?xml version="1.0" encoding="utf-8"?>
+<p:sld xmlns:a="http://schemas.openxmlformats.org/drawingml/2006/main" xmlns:r="http://schemas.openxmlformats.org/officeDocument/2006/relationships" xmlns:p="http://schemas.openxmlformats.org/presentationml/2006/main">
+  <p:cSld>
+    <p:spTree>
+      <p:nvGrpSpPr>
+        <p:cNvPr id="1" name=""/>
+        <p:cNvGrpSpPr/>
+        <p:nvPr/>
+      </p:nvGrpSpPr>
+      <p:grpSpPr>
+        <a:xfrm>
+          <a:off x="0" y="0"/>
+          <a:ext cx="0" cy="0"/>
+          <a:chOff x="0" y="0"/>
+          <a:chExt cx="0" cy="0"/>
+        </a:xfrm>
+      </p:grpSpPr>
+      <p:pic>
+        <p:nvPicPr>
+          <p:cNvPr id="4" name="コンテンツ プレースホルダー 3"/>
+          <p:cNvPicPr>
+            <a:picLocks noGrp="1" noChangeAspect="1"/>
+          </p:cNvPicPr>
+          <p:nvPr>
+            <p:ph idx="1"/>
+          </p:nvPr>
+        </p:nvPicPr>
+        <p:blipFill>
+          <a:blip r:embed="rId3">
+            <a:extLst>
+              <a:ext uri="{28A0092B-C50C-407E-A947-70E740481C1C}">
+                <a14:useLocalDpi xmlns:a14="http://schemas.microsoft.com/office/drawing/2010/main" val="0"/>
+              </a:ext>
+            </a:extLst>
+          </a:blip>
+          <a:stretch>
+            <a:fillRect/>
+          </a:stretch>
+        </p:blipFill>
+        <p:spPr>
+          <a:xfrm rot="16200000" flipH="1">
+            <a:off x="3214938" y="1285694"/>
+            <a:ext cx="4351338" cy="4351338"/>
+          </a:xfrm>
+        </p:spPr>
+      </p:pic>
+      <p:cxnSp>
+        <p:nvCxnSpPr>
+          <p:cNvPr id="6" name="直線矢印コネクタ 5"/>
+          <p:cNvCxnSpPr/>
+          <p:nvPr/>
+        </p:nvCxnSpPr>
+        <p:spPr>
+          <a:xfrm>
+            <a:off x="3213463" y="966651"/>
+            <a:ext cx="4380411" cy="26126"/>
+          </a:xfrm>
+          <a:prstGeom prst="straightConnector1">
+            <a:avLst/>
+          </a:prstGeom>
+          <a:ln>
+            <a:tailEnd type="triangle"/>
+          </a:ln>
+        </p:spPr>
+        <p:style>
+          <a:lnRef idx="1">
+            <a:schemeClr val="dk1"/>
+          </a:lnRef>
+          <a:fillRef idx="0">
+            <a:schemeClr val="dk1"/>
+          </a:fillRef>
+          <a:effectRef idx="0">
+            <a:schemeClr val="dk1"/>
+          </a:effectRef>
+          <a:fontRef idx="minor">
+            <a:schemeClr val="tx1"/>
+          </a:fontRef>
+        </p:style>
+      </p:cxnSp>
+      <p:cxnSp>
+        <p:nvCxnSpPr>
+          <p:cNvPr id="8" name="直線矢印コネクタ 7"/>
+          <p:cNvCxnSpPr/>
+          <p:nvPr/>
+        </p:nvCxnSpPr>
+        <p:spPr>
+          <a:xfrm flipH="1">
+            <a:off x="2856106" y="1285694"/>
+            <a:ext cx="16318" cy="4351338"/>
+          </a:xfrm>
+          <a:prstGeom prst="straightConnector1">
+            <a:avLst/>
+          </a:prstGeom>
+          <a:ln>
+            <a:tailEnd type="triangle"/>
+          </a:ln>
+        </p:spPr>
+        <p:style>
+          <a:lnRef idx="1">
+            <a:schemeClr val="dk1"/>
+          </a:lnRef>
+          <a:fillRef idx="0">
+            <a:schemeClr val="dk1"/>
+          </a:fillRef>
+          <a:effectRef idx="0">
+            <a:schemeClr val="dk1"/>
+          </a:effectRef>
+          <a:fontRef idx="minor">
+            <a:schemeClr val="tx1"/>
+          </a:fontRef>
+        </p:style>
+      </p:cxnSp>
+      <mc:AlternateContent xmlns:mc="http://schemas.openxmlformats.org/markup-compatibility/2006">
+        <mc:Choice xmlns:a14="http://schemas.microsoft.com/office/drawing/2010/main" Requires="a14">
+          <p:sp>
+            <p:nvSpPr>
+              <p:cNvPr id="13" name="テキスト ボックス 12"/>
+              <p:cNvSpPr txBox="1"/>
+              <p:nvPr/>
+            </p:nvSpPr>
+            <p:spPr>
+              <a:xfrm>
+                <a:off x="7498080" y="705394"/>
+                <a:ext cx="367985" cy="369332"/>
+              </a:xfrm>
+              <a:prstGeom prst="rect">
+                <a:avLst/>
+              </a:prstGeom>
+              <a:noFill/>
+            </p:spPr>
+            <p:txBody>
+              <a:bodyPr wrap="none" rtlCol="0">
+                <a:spAutoFit/>
+              </a:bodyPr>
+              <a:lstStyle/>
+              <a:p>
+                <a14:m>
+                  <m:oMathPara xmlns:m="http://schemas.openxmlformats.org/officeDocument/2006/math">
+                    <m:oMathParaPr>
+                      <m:jc m:val="centerGroup"/>
+                    </m:oMathParaPr>
+                    <m:oMath xmlns:m="http://schemas.openxmlformats.org/officeDocument/2006/math">
+                      <m:r>
+                        <a:rPr kumimoji="1" lang="en-US" altLang="ja-JP" b="0" i="1" smtClean="0">
+                          <a:latin typeface="Cambria Math" panose="02040503050406030204" pitchFamily="18" charset="0"/>
+                        </a:rPr>
+                        <m:t>𝑥</m:t>
+                      </m:r>
+                    </m:oMath>
+                  </m:oMathPara>
+                </a14:m>
+                <a:endParaRPr kumimoji="1" lang="ja-JP" altLang="en-US" dirty="0"/>
+              </a:p>
+            </p:txBody>
+          </p:sp>
+        </mc:Choice>
+        <mc:Fallback>
+          <p:sp>
+            <p:nvSpPr>
+              <p:cNvPr id="13" name="テキスト ボックス 12"/>
+              <p:cNvSpPr txBox="1">
+                <a:spLocks noRot="1" noChangeAspect="1" noMove="1" noResize="1" noEditPoints="1" noAdjustHandles="1" noChangeArrowheads="1" noChangeShapeType="1" noTextEdit="1"/>
+              </p:cNvSpPr>
+              <p:nvPr/>
+            </p:nvSpPr>
+            <p:spPr>
+              <a:xfrm>
+                <a:off x="7498080" y="705394"/>
+                <a:ext cx="367985" cy="369332"/>
+              </a:xfrm>
+              <a:prstGeom prst="rect">
+                <a:avLst/>
+              </a:prstGeom>
+              <a:blipFill rotWithShape="0">
+                <a:blip r:embed="rId4"/>
+                <a:stretch>
+                  <a:fillRect/>
+                </a:stretch>
+              </a:blipFill>
+            </p:spPr>
+            <p:txBody>
+              <a:bodyPr/>
+              <a:lstStyle/>
+              <a:p>
+                <a:r>
+                  <a:rPr lang="ja-JP" altLang="en-US">
+                    <a:noFill/>
+                  </a:rPr>
+                  <a:t> </a:t>
+                </a:r>
+              </a:p>
+            </p:txBody>
+          </p:sp>
+        </mc:Fallback>
+      </mc:AlternateContent>
+      <mc:AlternateContent xmlns:mc="http://schemas.openxmlformats.org/markup-compatibility/2006">
+        <mc:Choice xmlns:a14="http://schemas.microsoft.com/office/drawing/2010/main" Requires="a14">
+          <p:sp>
+            <p:nvSpPr>
+              <p:cNvPr id="14" name="テキスト ボックス 13"/>
+              <p:cNvSpPr txBox="1"/>
+              <p:nvPr/>
+            </p:nvSpPr>
+            <p:spPr>
+              <a:xfrm>
+                <a:off x="2672113" y="5637032"/>
+                <a:ext cx="371384" cy="369332"/>
+              </a:xfrm>
+              <a:prstGeom prst="rect">
+                <a:avLst/>
+              </a:prstGeom>
+              <a:noFill/>
+            </p:spPr>
+            <p:txBody>
+              <a:bodyPr wrap="none" rtlCol="0">
+                <a:spAutoFit/>
+              </a:bodyPr>
+              <a:lstStyle/>
+              <a:p>
+                <a14:m>
+                  <m:oMathPara xmlns:m="http://schemas.openxmlformats.org/officeDocument/2006/math">
+                    <m:oMathParaPr>
+                      <m:jc m:val="centerGroup"/>
+                    </m:oMathParaPr>
+                    <m:oMath xmlns:m="http://schemas.openxmlformats.org/officeDocument/2006/math">
+                      <m:r>
+                        <a:rPr kumimoji="1" lang="en-US" altLang="ja-JP" b="0" i="1" smtClean="0">
+                          <a:latin typeface="Cambria Math" panose="02040503050406030204" pitchFamily="18" charset="0"/>
+                        </a:rPr>
+                        <m:t>𝑦</m:t>
+                      </m:r>
+                    </m:oMath>
+                  </m:oMathPara>
+                </a14:m>
+                <a:endParaRPr kumimoji="1" lang="ja-JP" altLang="en-US" dirty="0"/>
+              </a:p>
+            </p:txBody>
+          </p:sp>
+        </mc:Choice>
+        <mc:Fallback>
+          <p:sp>
+            <p:nvSpPr>
+              <p:cNvPr id="14" name="テキスト ボックス 13"/>
+              <p:cNvSpPr txBox="1">
+                <a:spLocks noRot="1" noChangeAspect="1" noMove="1" noResize="1" noEditPoints="1" noAdjustHandles="1" noChangeArrowheads="1" noChangeShapeType="1" noTextEdit="1"/>
+              </p:cNvSpPr>
+              <p:nvPr/>
+            </p:nvSpPr>
+            <p:spPr>
+              <a:xfrm>
+                <a:off x="2672113" y="5637032"/>
+                <a:ext cx="371384" cy="369332"/>
+              </a:xfrm>
+              <a:prstGeom prst="rect">
+                <a:avLst/>
+              </a:prstGeom>
+              <a:blipFill rotWithShape="0">
+                <a:blip r:embed="rId5"/>
+                <a:stretch>
+                  <a:fillRect b="-6667"/>
+                </a:stretch>
+              </a:blipFill>
+            </p:spPr>
+            <p:txBody>
+              <a:bodyPr/>
+              <a:lstStyle/>
+              <a:p>
+                <a:r>
+                  <a:rPr lang="ja-JP" altLang="en-US">
+                    <a:noFill/>
+                  </a:rPr>
+                  <a:t> </a:t>
+                </a:r>
+              </a:p>
+            </p:txBody>
+          </p:sp>
+        </mc:Fallback>
+      </mc:AlternateContent>
+      <p:cxnSp>
+        <p:nvCxnSpPr>
+          <p:cNvPr id="16" name="直線矢印コネクタ 15"/>
+          <p:cNvCxnSpPr/>
+          <p:nvPr/>
+        </p:nvCxnSpPr>
+        <p:spPr>
+          <a:xfrm>
+            <a:off x="8046720" y="1285694"/>
+            <a:ext cx="0" cy="4351338"/>
+          </a:xfrm>
+          <a:prstGeom prst="straightConnector1">
+            <a:avLst/>
+          </a:prstGeom>
+          <a:ln>
+            <a:solidFill>
+              <a:srgbClr val="FF0000"/>
+            </a:solidFill>
+            <a:headEnd type="triangle"/>
+            <a:tailEnd type="triangle"/>
+          </a:ln>
+        </p:spPr>
+        <p:style>
+          <a:lnRef idx="1">
+            <a:schemeClr val="dk1"/>
+          </a:lnRef>
+          <a:fillRef idx="0">
+            <a:schemeClr val="dk1"/>
+          </a:fillRef>
+          <a:effectRef idx="0">
+            <a:schemeClr val="dk1"/>
+          </a:effectRef>
+          <a:fontRef idx="minor">
+            <a:schemeClr val="tx1"/>
+          </a:fontRef>
+        </p:style>
+      </p:cxnSp>
+      <p:sp>
+        <p:nvSpPr>
+          <p:cNvPr id="17" name="テキスト ボックス 16"/>
+          <p:cNvSpPr txBox="1"/>
+          <p:nvPr/>
+        </p:nvSpPr>
+        <p:spPr>
+          <a:xfrm>
+            <a:off x="8065500" y="2407709"/>
+            <a:ext cx="461665" cy="2107308"/>
+          </a:xfrm>
+          <a:prstGeom prst="rect">
+            <a:avLst/>
+          </a:prstGeom>
+          <a:noFill/>
+        </p:spPr>
+        <p:txBody>
+          <a:bodyPr vert="eaVert" wrap="none" rtlCol="0">
+            <a:spAutoFit/>
+          </a:bodyPr>
+          <a:lstStyle/>
+          <a:p>
+            <a:r>
+              <a:rPr lang="ja-JP" altLang="en-US" dirty="0"/>
+              <a:t>レーザーの偏光方向</a:t>
+            </a:r>
+            <a:endParaRPr kumimoji="1" lang="ja-JP" altLang="en-US" dirty="0"/>
+          </a:p>
+        </p:txBody>
+      </p:sp>
+    </p:spTree>
+    <p:extLst>
+      <p:ext uri="{BB962C8B-B14F-4D97-AF65-F5344CB8AC3E}">
+        <p14:creationId xmlns:p14="http://schemas.microsoft.com/office/powerpoint/2010/main" val="1937700226"/>
+      </p:ext>
+    </p:extLst>
+  </p:cSld>
+  <p:clrMapOvr>
+    <a:masterClrMapping/>
+  </p:clrMapOvr>
+</p:sld>
+</file>
+
+<file path=ppt/slides/slide6.xml><?xml version="1.0" encoding="utf-8"?>
+<p:sld xmlns:a="http://schemas.openxmlformats.org/drawingml/2006/main" xmlns:r="http://schemas.openxmlformats.org/officeDocument/2006/relationships" xmlns:p="http://schemas.openxmlformats.org/presentationml/2006/main">
+  <p:cSld>
+    <p:spTree>
+      <p:nvGrpSpPr>
+        <p:cNvPr id="1" name=""/>
+        <p:cNvGrpSpPr/>
+        <p:nvPr/>
+      </p:nvGrpSpPr>
+      <p:grpSpPr>
+        <a:xfrm>
+          <a:off x="0" y="0"/>
+          <a:ext cx="0" cy="0"/>
+          <a:chOff x="0" y="0"/>
+          <a:chExt cx="0" cy="0"/>
+        </a:xfrm>
+      </p:grpSpPr>
+      <p:cxnSp>
+        <p:nvCxnSpPr>
+          <p:cNvPr id="6" name="直線矢印コネクタ 5"/>
+          <p:cNvCxnSpPr/>
+          <p:nvPr/>
+        </p:nvCxnSpPr>
+        <p:spPr>
+          <a:xfrm>
+            <a:off x="4168684" y="574765"/>
+            <a:ext cx="2095500" cy="0"/>
+          </a:xfrm>
+          <a:prstGeom prst="straightConnector1">
+            <a:avLst/>
+          </a:prstGeom>
+          <a:ln>
+            <a:tailEnd type="triangle"/>
+          </a:ln>
+        </p:spPr>
+        <p:style>
+          <a:lnRef idx="1">
+            <a:schemeClr val="dk1"/>
+          </a:lnRef>
+          <a:fillRef idx="0">
+            <a:schemeClr val="dk1"/>
+          </a:fillRef>
+          <a:effectRef idx="0">
+            <a:schemeClr val="dk1"/>
+          </a:effectRef>
+          <a:fontRef idx="minor">
+            <a:schemeClr val="tx1"/>
+          </a:fontRef>
+        </p:style>
+      </p:cxnSp>
+      <p:cxnSp>
+        <p:nvCxnSpPr>
+          <p:cNvPr id="8" name="直線矢印コネクタ 7"/>
+          <p:cNvCxnSpPr/>
+          <p:nvPr/>
+        </p:nvCxnSpPr>
+        <p:spPr>
+          <a:xfrm>
+            <a:off x="3953691" y="759685"/>
+            <a:ext cx="0" cy="3457575"/>
+          </a:xfrm>
+          <a:prstGeom prst="straightConnector1">
+            <a:avLst/>
+          </a:prstGeom>
+          <a:ln>
+            <a:tailEnd type="triangle"/>
+          </a:ln>
+        </p:spPr>
+        <p:style>
+          <a:lnRef idx="1">
+            <a:schemeClr val="dk1"/>
+          </a:lnRef>
+          <a:fillRef idx="0">
+            <a:schemeClr val="dk1"/>
+          </a:fillRef>
+          <a:effectRef idx="0">
+            <a:schemeClr val="dk1"/>
+          </a:effectRef>
+          <a:fontRef idx="minor">
+            <a:schemeClr val="tx1"/>
+          </a:fontRef>
+        </p:style>
+      </p:cxnSp>
+      <mc:AlternateContent xmlns:mc="http://schemas.openxmlformats.org/markup-compatibility/2006">
+        <mc:Choice xmlns:a14="http://schemas.microsoft.com/office/drawing/2010/main" Requires="a14">
+          <p:sp>
+            <p:nvSpPr>
+              <p:cNvPr id="9" name="テキスト ボックス 8"/>
+              <p:cNvSpPr txBox="1"/>
+              <p:nvPr/>
+            </p:nvSpPr>
+            <p:spPr>
+              <a:xfrm>
+                <a:off x="6365965" y="390099"/>
+                <a:ext cx="351635" cy="369332"/>
+              </a:xfrm>
+              <a:prstGeom prst="rect">
+                <a:avLst/>
+              </a:prstGeom>
+              <a:noFill/>
+            </p:spPr>
+            <p:txBody>
+              <a:bodyPr wrap="none" rtlCol="0">
+                <a:spAutoFit/>
+              </a:bodyPr>
+              <a:lstStyle/>
+              <a:p>
+                <a14:m>
+                  <m:oMathPara xmlns:m="http://schemas.openxmlformats.org/officeDocument/2006/math">
+                    <m:oMathParaPr>
+                      <m:jc m:val="centerGroup"/>
+                    </m:oMathParaPr>
+                    <m:oMath xmlns:m="http://schemas.openxmlformats.org/officeDocument/2006/math">
+                      <m:r>
+                        <a:rPr kumimoji="1" lang="en-US" altLang="ja-JP" b="0" i="1" smtClean="0">
+                          <a:latin typeface="Cambria Math" panose="02040503050406030204" pitchFamily="18" charset="0"/>
+                        </a:rPr>
+                        <m:t>𝑟</m:t>
+                      </m:r>
+                    </m:oMath>
+                  </m:oMathPara>
+                </a14:m>
+                <a:endParaRPr kumimoji="1" lang="ja-JP" altLang="en-US" dirty="0"/>
+              </a:p>
+            </p:txBody>
+          </p:sp>
+        </mc:Choice>
+        <mc:Fallback>
+          <p:sp>
+            <p:nvSpPr>
+              <p:cNvPr id="9" name="テキスト ボックス 8"/>
+              <p:cNvSpPr txBox="1">
+                <a:spLocks noRot="1" noChangeAspect="1" noMove="1" noResize="1" noEditPoints="1" noAdjustHandles="1" noChangeArrowheads="1" noChangeShapeType="1" noTextEdit="1"/>
+              </p:cNvSpPr>
+              <p:nvPr/>
+            </p:nvSpPr>
+            <p:spPr>
+              <a:xfrm>
+                <a:off x="6365965" y="390099"/>
+                <a:ext cx="351635" cy="369332"/>
+              </a:xfrm>
+              <a:prstGeom prst="rect">
+                <a:avLst/>
+              </a:prstGeom>
+              <a:blipFill rotWithShape="0">
+                <a:blip r:embed="rId2"/>
+                <a:stretch>
+                  <a:fillRect/>
+                </a:stretch>
+              </a:blipFill>
+            </p:spPr>
+            <p:txBody>
+              <a:bodyPr/>
+              <a:lstStyle/>
+              <a:p>
+                <a:r>
+                  <a:rPr lang="ja-JP" altLang="en-US">
+                    <a:noFill/>
+                  </a:rPr>
+                  <a:t> </a:t>
+                </a:r>
+              </a:p>
+            </p:txBody>
+          </p:sp>
+        </mc:Fallback>
+      </mc:AlternateContent>
+      <mc:AlternateContent xmlns:mc="http://schemas.openxmlformats.org/markup-compatibility/2006">
+        <mc:Choice xmlns:a14="http://schemas.microsoft.com/office/drawing/2010/main" Requires="a14">
+          <p:sp>
+            <p:nvSpPr>
+              <p:cNvPr id="10" name="テキスト ボックス 9"/>
+              <p:cNvSpPr txBox="1"/>
+              <p:nvPr/>
+            </p:nvSpPr>
+            <p:spPr>
+              <a:xfrm>
+                <a:off x="3766620" y="4310743"/>
+                <a:ext cx="374141" cy="369332"/>
+              </a:xfrm>
+              <a:prstGeom prst="rect">
+                <a:avLst/>
+              </a:prstGeom>
+              <a:noFill/>
+            </p:spPr>
+            <p:txBody>
+              <a:bodyPr wrap="none" rtlCol="0">
+                <a:spAutoFit/>
+              </a:bodyPr>
+              <a:lstStyle/>
+              <a:p>
+                <a14:m>
+                  <m:oMathPara xmlns:m="http://schemas.openxmlformats.org/officeDocument/2006/math">
+                    <m:oMathParaPr>
+                      <m:jc m:val="centerGroup"/>
+                    </m:oMathParaPr>
+                    <m:oMath xmlns:m="http://schemas.openxmlformats.org/officeDocument/2006/math">
+                      <m:r>
+                        <a:rPr lang="en-US" altLang="ja-JP" i="1">
+                          <a:latin typeface="Cambria Math" panose="02040503050406030204" pitchFamily="18" charset="0"/>
+                        </a:rPr>
+                        <m:t>𝜃</m:t>
+                      </m:r>
+                    </m:oMath>
+                  </m:oMathPara>
+                </a14:m>
+                <a:endParaRPr kumimoji="1" lang="ja-JP" altLang="en-US" i="1" dirty="0"/>
+              </a:p>
+            </p:txBody>
+          </p:sp>
+        </mc:Choice>
+        <mc:Fallback>
+          <p:sp>
+            <p:nvSpPr>
+              <p:cNvPr id="10" name="テキスト ボックス 9"/>
+              <p:cNvSpPr txBox="1">
+                <a:spLocks noRot="1" noChangeAspect="1" noMove="1" noResize="1" noEditPoints="1" noAdjustHandles="1" noChangeArrowheads="1" noChangeShapeType="1" noTextEdit="1"/>
+              </p:cNvSpPr>
+              <p:nvPr/>
+            </p:nvSpPr>
+            <p:spPr>
+              <a:xfrm>
+                <a:off x="3766620" y="4310743"/>
+                <a:ext cx="374141" cy="369332"/>
+              </a:xfrm>
+              <a:prstGeom prst="rect">
+                <a:avLst/>
+              </a:prstGeom>
+              <a:blipFill rotWithShape="0">
+                <a:blip r:embed="rId3"/>
+                <a:stretch>
+                  <a:fillRect/>
+                </a:stretch>
+              </a:blipFill>
+            </p:spPr>
+            <p:txBody>
+              <a:bodyPr/>
+              <a:lstStyle/>
+              <a:p>
+                <a:r>
+                  <a:rPr lang="ja-JP" altLang="en-US">
+                    <a:noFill/>
+                  </a:rPr>
+                  <a:t> </a:t>
+                </a:r>
+              </a:p>
+            </p:txBody>
+          </p:sp>
+        </mc:Fallback>
+      </mc:AlternateContent>
+      <p:pic>
+        <p:nvPicPr>
+          <p:cNvPr id="12" name="図 11"/>
+          <p:cNvPicPr>
+            <a:picLocks noChangeAspect="1"/>
+          </p:cNvPicPr>
+          <p:nvPr/>
+        </p:nvPicPr>
+        <p:blipFill>
+          <a:blip r:embed="rId4"/>
+          <a:stretch>
+            <a:fillRect/>
+          </a:stretch>
+        </p:blipFill>
+        <p:spPr>
+          <a:xfrm>
+            <a:off x="4168684" y="759431"/>
+            <a:ext cx="2085975" cy="3429000"/>
+          </a:xfrm>
+          <a:prstGeom prst="rect">
+            <a:avLst/>
+          </a:prstGeom>
+          <a:ln>
+            <a:solidFill>
+              <a:srgbClr val="FF0000"/>
+            </a:solidFill>
+          </a:ln>
+        </p:spPr>
+      </p:pic>
+    </p:spTree>
+    <p:extLst>
+      <p:ext uri="{BB962C8B-B14F-4D97-AF65-F5344CB8AC3E}">
+        <p14:creationId xmlns:p14="http://schemas.microsoft.com/office/powerpoint/2010/main" val="2490172082"/>
+      </p:ext>
+    </p:extLst>
+  </p:cSld>
+  <p:clrMapOvr>
+    <a:masterClrMapping/>
+  </p:clrMapOvr>
+</p:sld>
+</file>
+
+<file path=ppt/slides/slide7.xml><?xml version="1.0" encoding="utf-8"?>
+<p:sld xmlns:a="http://schemas.openxmlformats.org/drawingml/2006/main" xmlns:r="http://schemas.openxmlformats.org/officeDocument/2006/relationships" xmlns:p="http://schemas.openxmlformats.org/presentationml/2006/main">
+  <p:cSld>
+    <p:spTree>
+      <p:nvGrpSpPr>
+        <p:cNvPr id="1" name=""/>
+        <p:cNvGrpSpPr/>
+        <p:nvPr/>
+      </p:nvGrpSpPr>
+      <p:grpSpPr>
+        <a:xfrm>
+          <a:off x="0" y="0"/>
+          <a:ext cx="0" cy="0"/>
+          <a:chOff x="0" y="0"/>
+          <a:chExt cx="0" cy="0"/>
+        </a:xfrm>
+      </p:grpSpPr>
+      <p:pic>
+        <p:nvPicPr>
+          <p:cNvPr id="4" name="コンテンツ プレースホルダー 3"/>
+          <p:cNvPicPr>
+            <a:picLocks noGrp="1" noChangeAspect="1"/>
+          </p:cNvPicPr>
+          <p:nvPr>
+            <p:ph idx="1"/>
+          </p:nvPr>
+        </p:nvPicPr>
+        <p:blipFill>
+          <a:blip r:embed="rId2">
+            <a:extLst>
+              <a:ext uri="{28A0092B-C50C-407E-A947-70E740481C1C}">
+                <a14:useLocalDpi xmlns:a14="http://schemas.microsoft.com/office/drawing/2010/main" val="0"/>
+              </a:ext>
+            </a:extLst>
+          </a:blip>
+          <a:stretch>
+            <a:fillRect/>
+          </a:stretch>
+        </p:blipFill>
+        <p:spPr>
+          <a:xfrm rot="16200000" flipH="1">
+            <a:off x="3214938" y="1285694"/>
+            <a:ext cx="4351338" cy="4351338"/>
+          </a:xfrm>
+        </p:spPr>
+      </p:pic>
+      <p:cxnSp>
+        <p:nvCxnSpPr>
+          <p:cNvPr id="5" name="直線矢印コネクタ 4"/>
+          <p:cNvCxnSpPr/>
+          <p:nvPr/>
+        </p:nvCxnSpPr>
+        <p:spPr>
+          <a:xfrm>
+            <a:off x="3213463" y="966651"/>
+            <a:ext cx="4380411" cy="26126"/>
+          </a:xfrm>
+          <a:prstGeom prst="straightConnector1">
+            <a:avLst/>
+          </a:prstGeom>
+          <a:ln>
+            <a:tailEnd type="triangle"/>
+          </a:ln>
+        </p:spPr>
+        <p:style>
+          <a:lnRef idx="1">
+            <a:schemeClr val="dk1"/>
+          </a:lnRef>
+          <a:fillRef idx="0">
+            <a:schemeClr val="dk1"/>
+          </a:fillRef>
+          <a:effectRef idx="0">
+            <a:schemeClr val="dk1"/>
+          </a:effectRef>
+          <a:fontRef idx="minor">
+            <a:schemeClr val="tx1"/>
+          </a:fontRef>
+        </p:style>
+      </p:cxnSp>
+      <p:cxnSp>
+        <p:nvCxnSpPr>
+          <p:cNvPr id="6" name="直線矢印コネクタ 5"/>
+          <p:cNvCxnSpPr/>
+          <p:nvPr/>
+        </p:nvCxnSpPr>
+        <p:spPr>
+          <a:xfrm flipH="1">
+            <a:off x="2856106" y="1285694"/>
+            <a:ext cx="16318" cy="4351338"/>
+          </a:xfrm>
+          <a:prstGeom prst="straightConnector1">
+            <a:avLst/>
+          </a:prstGeom>
+          <a:ln>
+            <a:tailEnd type="triangle"/>
+          </a:ln>
+        </p:spPr>
+        <p:style>
+          <a:lnRef idx="1">
+            <a:schemeClr val="dk1"/>
+          </a:lnRef>
+          <a:fillRef idx="0">
+            <a:schemeClr val="dk1"/>
+          </a:fillRef>
+          <a:effectRef idx="0">
+            <a:schemeClr val="dk1"/>
+          </a:effectRef>
+          <a:fontRef idx="minor">
+            <a:schemeClr val="tx1"/>
+          </a:fontRef>
+        </p:style>
+      </p:cxnSp>
+      <mc:AlternateContent xmlns:mc="http://schemas.openxmlformats.org/markup-compatibility/2006">
+        <mc:Choice xmlns:a14="http://schemas.microsoft.com/office/drawing/2010/main" Requires="a14">
+          <p:sp>
+            <p:nvSpPr>
+              <p:cNvPr id="7" name="テキスト ボックス 6"/>
+              <p:cNvSpPr txBox="1"/>
+              <p:nvPr/>
+            </p:nvSpPr>
+            <p:spPr>
+              <a:xfrm>
+                <a:off x="7498080" y="705394"/>
+                <a:ext cx="367985" cy="369332"/>
+              </a:xfrm>
+              <a:prstGeom prst="rect">
+                <a:avLst/>
+              </a:prstGeom>
+              <a:noFill/>
+            </p:spPr>
+            <p:txBody>
+              <a:bodyPr wrap="none" rtlCol="0">
+                <a:spAutoFit/>
+              </a:bodyPr>
+              <a:lstStyle/>
+              <a:p>
+                <a14:m>
+                  <m:oMathPara xmlns:m="http://schemas.openxmlformats.org/officeDocument/2006/math">
+                    <m:oMathParaPr>
+                      <m:jc m:val="centerGroup"/>
+                    </m:oMathParaPr>
+                    <m:oMath xmlns:m="http://schemas.openxmlformats.org/officeDocument/2006/math">
+                      <m:r>
+                        <a:rPr kumimoji="1" lang="en-US" altLang="ja-JP" b="0" i="1" smtClean="0">
+                          <a:latin typeface="Cambria Math" panose="02040503050406030204" pitchFamily="18" charset="0"/>
+                        </a:rPr>
+                        <m:t>𝑥</m:t>
+                      </m:r>
+                    </m:oMath>
+                  </m:oMathPara>
+                </a14:m>
+                <a:endParaRPr kumimoji="1" lang="ja-JP" altLang="en-US" dirty="0"/>
+              </a:p>
+            </p:txBody>
+          </p:sp>
+        </mc:Choice>
+        <mc:Fallback>
+          <p:sp>
+            <p:nvSpPr>
+              <p:cNvPr id="7" name="テキスト ボックス 6"/>
+              <p:cNvSpPr txBox="1">
+                <a:spLocks noRot="1" noChangeAspect="1" noMove="1" noResize="1" noEditPoints="1" noAdjustHandles="1" noChangeArrowheads="1" noChangeShapeType="1" noTextEdit="1"/>
+              </p:cNvSpPr>
+              <p:nvPr/>
+            </p:nvSpPr>
+            <p:spPr>
+              <a:xfrm>
+                <a:off x="7498080" y="705394"/>
+                <a:ext cx="367985" cy="369332"/>
+              </a:xfrm>
+              <a:prstGeom prst="rect">
+                <a:avLst/>
+              </a:prstGeom>
+              <a:blipFill rotWithShape="0">
+                <a:blip r:embed="rId3"/>
+                <a:stretch>
+                  <a:fillRect/>
+                </a:stretch>
+              </a:blipFill>
+            </p:spPr>
+            <p:txBody>
+              <a:bodyPr/>
+              <a:lstStyle/>
+              <a:p>
+                <a:r>
+                  <a:rPr lang="ja-JP" altLang="en-US">
+                    <a:noFill/>
+                  </a:rPr>
+                  <a:t> </a:t>
+                </a:r>
+              </a:p>
+            </p:txBody>
+          </p:sp>
+        </mc:Fallback>
+      </mc:AlternateContent>
+      <mc:AlternateContent xmlns:mc="http://schemas.openxmlformats.org/markup-compatibility/2006">
+        <mc:Choice xmlns:a14="http://schemas.microsoft.com/office/drawing/2010/main" Requires="a14">
+          <p:sp>
+            <p:nvSpPr>
+              <p:cNvPr id="8" name="テキスト ボックス 7"/>
+              <p:cNvSpPr txBox="1"/>
+              <p:nvPr/>
+            </p:nvSpPr>
+            <p:spPr>
+              <a:xfrm>
+                <a:off x="2672113" y="5637032"/>
+                <a:ext cx="371384" cy="369332"/>
+              </a:xfrm>
+              <a:prstGeom prst="rect">
+                <a:avLst/>
+              </a:prstGeom>
+              <a:noFill/>
+            </p:spPr>
+            <p:txBody>
+              <a:bodyPr wrap="none" rtlCol="0">
+                <a:spAutoFit/>
+              </a:bodyPr>
+              <a:lstStyle/>
+              <a:p>
+                <a14:m>
+                  <m:oMathPara xmlns:m="http://schemas.openxmlformats.org/officeDocument/2006/math">
+                    <m:oMathParaPr>
+                      <m:jc m:val="centerGroup"/>
+                    </m:oMathParaPr>
+                    <m:oMath xmlns:m="http://schemas.openxmlformats.org/officeDocument/2006/math">
+                      <m:r>
+                        <a:rPr kumimoji="1" lang="en-US" altLang="ja-JP" b="0" i="1" smtClean="0">
+                          <a:latin typeface="Cambria Math" panose="02040503050406030204" pitchFamily="18" charset="0"/>
+                        </a:rPr>
+                        <m:t>𝑦</m:t>
+                      </m:r>
+                    </m:oMath>
+                  </m:oMathPara>
+                </a14:m>
+                <a:endParaRPr kumimoji="1" lang="ja-JP" altLang="en-US" dirty="0"/>
+              </a:p>
+            </p:txBody>
+          </p:sp>
+        </mc:Choice>
+        <mc:Fallback>
+          <p:sp>
+            <p:nvSpPr>
+              <p:cNvPr id="8" name="テキスト ボックス 7"/>
+              <p:cNvSpPr txBox="1">
+                <a:spLocks noRot="1" noChangeAspect="1" noMove="1" noResize="1" noEditPoints="1" noAdjustHandles="1" noChangeArrowheads="1" noChangeShapeType="1" noTextEdit="1"/>
+              </p:cNvSpPr>
+              <p:nvPr/>
+            </p:nvSpPr>
+            <p:spPr>
+              <a:xfrm>
+                <a:off x="2672113" y="5637032"/>
+                <a:ext cx="371384" cy="369332"/>
+              </a:xfrm>
+              <a:prstGeom prst="rect">
+                <a:avLst/>
+              </a:prstGeom>
+              <a:blipFill rotWithShape="0">
+                <a:blip r:embed="rId4"/>
+                <a:stretch>
+                  <a:fillRect b="-6667"/>
+                </a:stretch>
+              </a:blipFill>
+            </p:spPr>
+            <p:txBody>
+              <a:bodyPr/>
+              <a:lstStyle/>
+              <a:p>
+                <a:r>
+                  <a:rPr lang="ja-JP" altLang="en-US">
+                    <a:noFill/>
+                  </a:rPr>
+                  <a:t> </a:t>
+                </a:r>
+              </a:p>
+            </p:txBody>
+          </p:sp>
+        </mc:Fallback>
+      </mc:AlternateContent>
+      <p:cxnSp>
+        <p:nvCxnSpPr>
+          <p:cNvPr id="9" name="直線矢印コネクタ 8"/>
+          <p:cNvCxnSpPr/>
+          <p:nvPr/>
+        </p:nvCxnSpPr>
+        <p:spPr>
+          <a:xfrm>
+            <a:off x="8046720" y="1285694"/>
+            <a:ext cx="0" cy="4351338"/>
+          </a:xfrm>
+          <a:prstGeom prst="straightConnector1">
+            <a:avLst/>
+          </a:prstGeom>
+          <a:ln>
+            <a:solidFill>
+              <a:srgbClr val="FF0000"/>
+            </a:solidFill>
+            <a:headEnd type="triangle"/>
+            <a:tailEnd type="triangle"/>
+          </a:ln>
+        </p:spPr>
+        <p:style>
+          <a:lnRef idx="1">
+            <a:schemeClr val="dk1"/>
+          </a:lnRef>
+          <a:fillRef idx="0">
+            <a:schemeClr val="dk1"/>
+          </a:fillRef>
+          <a:effectRef idx="0">
+            <a:schemeClr val="dk1"/>
+          </a:effectRef>
+          <a:fontRef idx="minor">
+            <a:schemeClr val="tx1"/>
+          </a:fontRef>
+        </p:style>
+      </p:cxnSp>
+      <p:sp>
+        <p:nvSpPr>
+          <p:cNvPr id="10" name="テキスト ボックス 9"/>
+          <p:cNvSpPr txBox="1"/>
+          <p:nvPr/>
+        </p:nvSpPr>
+        <p:spPr>
+          <a:xfrm>
+            <a:off x="8065500" y="2407709"/>
+            <a:ext cx="461665" cy="2107308"/>
+          </a:xfrm>
+          <a:prstGeom prst="rect">
+            <a:avLst/>
+          </a:prstGeom>
+          <a:noFill/>
+        </p:spPr>
+        <p:txBody>
+          <a:bodyPr vert="eaVert" wrap="none" rtlCol="0">
+            <a:spAutoFit/>
+          </a:bodyPr>
+          <a:lstStyle/>
+          <a:p>
+            <a:r>
+              <a:rPr lang="ja-JP" altLang="en-US" dirty="0"/>
+              <a:t>レーザーの偏光方向</a:t>
+            </a:r>
+            <a:endParaRPr kumimoji="1" lang="ja-JP" altLang="en-US" dirty="0"/>
+          </a:p>
+        </p:txBody>
+      </p:sp>
+      <p:sp>
+        <p:nvSpPr>
+          <p:cNvPr id="11" name="正方形/長方形 10"/>
+          <p:cNvSpPr/>
+          <p:nvPr/>
+        </p:nvSpPr>
+        <p:spPr>
+          <a:xfrm>
+            <a:off x="5486400" y="1285693"/>
+            <a:ext cx="190500" cy="4351339"/>
+          </a:xfrm>
+          <a:prstGeom prst="rect">
+            <a:avLst/>
+          </a:prstGeom>
+          <a:noFill/>
+          <a:ln>
+            <a:solidFill>
+              <a:srgbClr val="FF0000"/>
+            </a:solidFill>
+          </a:ln>
+        </p:spPr>
+        <p:style>
+          <a:lnRef idx="2">
+            <a:schemeClr val="accent1">
+              <a:shade val="50000"/>
+            </a:schemeClr>
+          </a:lnRef>
+          <a:fillRef idx="1">
+            <a:schemeClr val="accent1"/>
+          </a:fillRef>
+          <a:effectRef idx="0">
+            <a:schemeClr val="accent1"/>
+          </a:effectRef>
+          <a:fontRef idx="minor">
+            <a:schemeClr val="lt1"/>
+          </a:fontRef>
+        </p:style>
+        <p:txBody>
+          <a:bodyPr rtlCol="0" anchor="ctr"/>
+          <a:lstStyle/>
+          <a:p>
+            <a:pPr algn="ctr"/>
+            <a:endParaRPr kumimoji="1" lang="ja-JP" altLang="en-US"/>
+          </a:p>
+        </p:txBody>
+      </p:sp>
+      <p:cxnSp>
+        <p:nvCxnSpPr>
+          <p:cNvPr id="13" name="直線矢印コネクタ 12"/>
+          <p:cNvCxnSpPr/>
+          <p:nvPr/>
+        </p:nvCxnSpPr>
+        <p:spPr>
+          <a:xfrm>
+            <a:off x="5446395" y="1164702"/>
+            <a:ext cx="252412" cy="2381"/>
+          </a:xfrm>
+          <a:prstGeom prst="straightConnector1">
+            <a:avLst/>
+          </a:prstGeom>
+          <a:ln>
+            <a:solidFill>
+              <a:srgbClr val="FF0000"/>
+            </a:solidFill>
+            <a:headEnd type="triangle"/>
+            <a:tailEnd type="triangle"/>
+          </a:ln>
+        </p:spPr>
+        <p:style>
+          <a:lnRef idx="1">
+            <a:schemeClr val="accent2"/>
+          </a:lnRef>
+          <a:fillRef idx="0">
+            <a:schemeClr val="accent2"/>
+          </a:fillRef>
+          <a:effectRef idx="0">
+            <a:schemeClr val="accent2"/>
+          </a:effectRef>
+          <a:fontRef idx="minor">
+            <a:schemeClr val="tx1"/>
+          </a:fontRef>
+        </p:style>
+      </p:cxnSp>
+      <p:sp>
+        <p:nvSpPr>
+          <p:cNvPr id="17" name="正方形/長方形 16"/>
+          <p:cNvSpPr/>
+          <p:nvPr/>
+        </p:nvSpPr>
+        <p:spPr>
+          <a:xfrm>
+            <a:off x="3213463" y="3310844"/>
+            <a:ext cx="4333045" cy="150518"/>
+          </a:xfrm>
+          <a:prstGeom prst="rect">
+            <a:avLst/>
+          </a:prstGeom>
+          <a:noFill/>
+          <a:ln>
+            <a:solidFill>
+              <a:schemeClr val="accent1">
+                <a:lumMod val="75000"/>
+              </a:schemeClr>
+            </a:solidFill>
+          </a:ln>
+        </p:spPr>
+        <p:style>
+          <a:lnRef idx="2">
+            <a:schemeClr val="accent1">
+              <a:shade val="50000"/>
+            </a:schemeClr>
+          </a:lnRef>
+          <a:fillRef idx="1">
+            <a:schemeClr val="accent1"/>
+          </a:fillRef>
+          <a:effectRef idx="0">
+            <a:schemeClr val="accent1"/>
+          </a:effectRef>
+          <a:fontRef idx="minor">
+            <a:schemeClr val="lt1"/>
+          </a:fontRef>
+        </p:style>
+        <p:txBody>
+          <a:bodyPr rtlCol="0" anchor="ctr"/>
+          <a:lstStyle/>
+          <a:p>
+            <a:pPr algn="ctr"/>
+            <a:endParaRPr kumimoji="1" lang="ja-JP" altLang="en-US"/>
+          </a:p>
+        </p:txBody>
+      </p:sp>
+      <p:cxnSp>
+        <p:nvCxnSpPr>
+          <p:cNvPr id="22" name="直線矢印コネクタ 21"/>
+          <p:cNvCxnSpPr/>
+          <p:nvPr/>
+        </p:nvCxnSpPr>
+        <p:spPr>
+          <a:xfrm>
+            <a:off x="7666832" y="3274672"/>
+            <a:ext cx="1112" cy="222862"/>
+          </a:xfrm>
+          <a:prstGeom prst="straightConnector1">
+            <a:avLst/>
+          </a:prstGeom>
+          <a:ln>
+            <a:solidFill>
+              <a:schemeClr val="accent1"/>
+            </a:solidFill>
+            <a:headEnd type="triangle"/>
+            <a:tailEnd type="triangle"/>
+          </a:ln>
+        </p:spPr>
+        <p:style>
+          <a:lnRef idx="1">
+            <a:schemeClr val="dk1"/>
+          </a:lnRef>
+          <a:fillRef idx="0">
+            <a:schemeClr val="dk1"/>
+          </a:fillRef>
+          <a:effectRef idx="0">
+            <a:schemeClr val="dk1"/>
+          </a:effectRef>
+          <a:fontRef idx="minor">
+            <a:schemeClr val="tx1"/>
+          </a:fontRef>
+        </p:style>
+      </p:cxnSp>
+    </p:spTree>
+    <p:extLst>
+      <p:ext uri="{BB962C8B-B14F-4D97-AF65-F5344CB8AC3E}">
+        <p14:creationId xmlns:p14="http://schemas.microsoft.com/office/powerpoint/2010/main" val="61757485"/>
+      </p:ext>
+    </p:extLst>
+  </p:cSld>
+  <p:clrMapOvr>
+    <a:masterClrMapping/>
+  </p:clrMapOvr>
+</p:sld>
+</file>
+
 <file path=ppt/theme/theme1.xml><?xml version="1.0" encoding="utf-8"?>
 <a:theme xmlns:a="http://schemas.openxmlformats.org/drawingml/2006/main" name="Office テーマ">
   <a:themeElements>
@@ -7347,4 +9017,265 @@
     </a:ext>
   </a:extLst>
 </a:theme>
+</file>
+
+<file path=ppt/theme/theme2.xml><?xml version="1.0" encoding="utf-8"?>
+<a:theme xmlns:a="http://schemas.openxmlformats.org/drawingml/2006/main" name="Office テーマ">
+  <a:themeElements>
+    <a:clrScheme name="Office">
+      <a:dk1>
+        <a:sysClr val="windowText" lastClr="000000"/>
+      </a:dk1>
+      <a:lt1>
+        <a:sysClr val="window" lastClr="FFFFFF"/>
+      </a:lt1>
+      <a:dk2>
+        <a:srgbClr val="44546A"/>
+      </a:dk2>
+      <a:lt2>
+        <a:srgbClr val="E7E6E6"/>
+      </a:lt2>
+      <a:accent1>
+        <a:srgbClr val="5B9BD5"/>
+      </a:accent1>
+      <a:accent2>
+        <a:srgbClr val="ED7D31"/>
+      </a:accent2>
+      <a:accent3>
+        <a:srgbClr val="A5A5A5"/>
+      </a:accent3>
+      <a:accent4>
+        <a:srgbClr val="FFC000"/>
+      </a:accent4>
+      <a:accent5>
+        <a:srgbClr val="4472C4"/>
+      </a:accent5>
+      <a:accent6>
+        <a:srgbClr val="70AD47"/>
+      </a:accent6>
+      <a:hlink>
+        <a:srgbClr val="0563C1"/>
+      </a:hlink>
+      <a:folHlink>
+        <a:srgbClr val="954F72"/>
+      </a:folHlink>
+    </a:clrScheme>
+    <a:fontScheme name="Office">
+      <a:majorFont>
+        <a:latin typeface="Calibri Light" panose="020F0302020204030204"/>
+        <a:ea typeface=""/>
+        <a:cs typeface=""/>
+        <a:font script="Jpan" typeface="ＭＳ Ｐゴシック"/>
+        <a:font script="Hang" typeface="맑은 고딕"/>
+        <a:font script="Hans" typeface="宋体"/>
+        <a:font script="Hant" typeface="新細明體"/>
+        <a:font script="Arab" typeface="Times New Roman"/>
+        <a:font script="Hebr" typeface="Times New Roman"/>
+        <a:font script="Thai" typeface="Angsana New"/>
+        <a:font script="Ethi" typeface="Nyala"/>
+        <a:font script="Beng" typeface="Vrinda"/>
+        <a:font script="Gujr" typeface="Shruti"/>
+        <a:font script="Khmr" typeface="MoolBoran"/>
+        <a:font script="Knda" typeface="Tunga"/>
+        <a:font script="Guru" typeface="Raavi"/>
+        <a:font script="Cans" typeface="Euphemia"/>
+        <a:font script="Cher" typeface="Plantagenet Cherokee"/>
+        <a:font script="Yiii" typeface="Microsoft Yi Baiti"/>
+        <a:font script="Tibt" typeface="Microsoft Himalaya"/>
+        <a:font script="Thaa" typeface="MV Boli"/>
+        <a:font script="Deva" typeface="Mangal"/>
+        <a:font script="Telu" typeface="Gautami"/>
+        <a:font script="Taml" typeface="Latha"/>
+        <a:font script="Syrc" typeface="Estrangelo Edessa"/>
+        <a:font script="Orya" typeface="Kalinga"/>
+        <a:font script="Mlym" typeface="Kartika"/>
+        <a:font script="Laoo" typeface="DokChampa"/>
+        <a:font script="Sinh" typeface="Iskoola Pota"/>
+        <a:font script="Mong" typeface="Mongolian Baiti"/>
+        <a:font script="Viet" typeface="Times New Roman"/>
+        <a:font script="Uigh" typeface="Microsoft Uighur"/>
+        <a:font script="Geor" typeface="Sylfaen"/>
+      </a:majorFont>
+      <a:minorFont>
+        <a:latin typeface="Calibri" panose="020F0502020204030204"/>
+        <a:ea typeface=""/>
+        <a:cs typeface=""/>
+        <a:font script="Jpan" typeface="ＭＳ Ｐゴシック"/>
+        <a:font script="Hang" typeface="맑은 고딕"/>
+        <a:font script="Hans" typeface="宋体"/>
+        <a:font script="Hant" typeface="新細明體"/>
+        <a:font script="Arab" typeface="Arial"/>
+        <a:font script="Hebr" typeface="Arial"/>
+        <a:font script="Thai" typeface="Cordia New"/>
+        <a:font script="Ethi" typeface="Nyala"/>
+        <a:font script="Beng" typeface="Vrinda"/>
+        <a:font script="Gujr" typeface="Shruti"/>
+        <a:font script="Khmr" typeface="DaunPenh"/>
+        <a:font script="Knda" typeface="Tunga"/>
+        <a:font script="Guru" typeface="Raavi"/>
+        <a:font script="Cans" typeface="Euphemia"/>
+        <a:font script="Cher" typeface="Plantagenet Cherokee"/>
+        <a:font script="Yiii" typeface="Microsoft Yi Baiti"/>
+        <a:font script="Tibt" typeface="Microsoft Himalaya"/>
+        <a:font script="Thaa" typeface="MV Boli"/>
+        <a:font script="Deva" typeface="Mangal"/>
+        <a:font script="Telu" typeface="Gautami"/>
+        <a:font script="Taml" typeface="Latha"/>
+        <a:font script="Syrc" typeface="Estrangelo Edessa"/>
+        <a:font script="Orya" typeface="Kalinga"/>
+        <a:font script="Mlym" typeface="Kartika"/>
+        <a:font script="Laoo" typeface="DokChampa"/>
+        <a:font script="Sinh" typeface="Iskoola Pota"/>
+        <a:font script="Mong" typeface="Mongolian Baiti"/>
+        <a:font script="Viet" typeface="Arial"/>
+        <a:font script="Uigh" typeface="Microsoft Uighur"/>
+        <a:font script="Geor" typeface="Sylfaen"/>
+      </a:minorFont>
+    </a:fontScheme>
+    <a:fmtScheme name="Office">
+      <a:fillStyleLst>
+        <a:solidFill>
+          <a:schemeClr val="phClr"/>
+        </a:solidFill>
+        <a:gradFill rotWithShape="1">
+          <a:gsLst>
+            <a:gs pos="0">
+              <a:schemeClr val="phClr">
+                <a:lumMod val="110000"/>
+                <a:satMod val="105000"/>
+                <a:tint val="67000"/>
+              </a:schemeClr>
+            </a:gs>
+            <a:gs pos="50000">
+              <a:schemeClr val="phClr">
+                <a:lumMod val="105000"/>
+                <a:satMod val="103000"/>
+                <a:tint val="73000"/>
+              </a:schemeClr>
+            </a:gs>
+            <a:gs pos="100000">
+              <a:schemeClr val="phClr">
+                <a:lumMod val="105000"/>
+                <a:satMod val="109000"/>
+                <a:tint val="81000"/>
+              </a:schemeClr>
+            </a:gs>
+          </a:gsLst>
+          <a:lin ang="5400000" scaled="0"/>
+        </a:gradFill>
+        <a:gradFill rotWithShape="1">
+          <a:gsLst>
+            <a:gs pos="0">
+              <a:schemeClr val="phClr">
+                <a:satMod val="103000"/>
+                <a:lumMod val="102000"/>
+                <a:tint val="94000"/>
+              </a:schemeClr>
+            </a:gs>
+            <a:gs pos="50000">
+              <a:schemeClr val="phClr">
+                <a:satMod val="110000"/>
+                <a:lumMod val="100000"/>
+                <a:shade val="100000"/>
+              </a:schemeClr>
+            </a:gs>
+            <a:gs pos="100000">
+              <a:schemeClr val="phClr">
+                <a:lumMod val="99000"/>
+                <a:satMod val="120000"/>
+                <a:shade val="78000"/>
+              </a:schemeClr>
+            </a:gs>
+          </a:gsLst>
+          <a:lin ang="5400000" scaled="0"/>
+        </a:gradFill>
+      </a:fillStyleLst>
+      <a:lnStyleLst>
+        <a:ln w="6350" cap="flat" cmpd="sng" algn="ctr">
+          <a:solidFill>
+            <a:schemeClr val="phClr"/>
+          </a:solidFill>
+          <a:prstDash val="solid"/>
+          <a:miter lim="800000"/>
+        </a:ln>
+        <a:ln w="12700" cap="flat" cmpd="sng" algn="ctr">
+          <a:solidFill>
+            <a:schemeClr val="phClr"/>
+          </a:solidFill>
+          <a:prstDash val="solid"/>
+          <a:miter lim="800000"/>
+        </a:ln>
+        <a:ln w="19050" cap="flat" cmpd="sng" algn="ctr">
+          <a:solidFill>
+            <a:schemeClr val="phClr"/>
+          </a:solidFill>
+          <a:prstDash val="solid"/>
+          <a:miter lim="800000"/>
+        </a:ln>
+      </a:lnStyleLst>
+      <a:effectStyleLst>
+        <a:effectStyle>
+          <a:effectLst/>
+        </a:effectStyle>
+        <a:effectStyle>
+          <a:effectLst/>
+        </a:effectStyle>
+        <a:effectStyle>
+          <a:effectLst>
+            <a:outerShdw blurRad="57150" dist="19050" dir="5400000" algn="ctr" rotWithShape="0">
+              <a:srgbClr val="000000">
+                <a:alpha val="63000"/>
+              </a:srgbClr>
+            </a:outerShdw>
+          </a:effectLst>
+        </a:effectStyle>
+      </a:effectStyleLst>
+      <a:bgFillStyleLst>
+        <a:solidFill>
+          <a:schemeClr val="phClr"/>
+        </a:solidFill>
+        <a:solidFill>
+          <a:schemeClr val="phClr">
+            <a:tint val="95000"/>
+            <a:satMod val="170000"/>
+          </a:schemeClr>
+        </a:solidFill>
+        <a:gradFill rotWithShape="1">
+          <a:gsLst>
+            <a:gs pos="0">
+              <a:schemeClr val="phClr">
+                <a:tint val="93000"/>
+                <a:satMod val="150000"/>
+                <a:shade val="98000"/>
+                <a:lumMod val="102000"/>
+              </a:schemeClr>
+            </a:gs>
+            <a:gs pos="50000">
+              <a:schemeClr val="phClr">
+                <a:tint val="98000"/>
+                <a:satMod val="130000"/>
+                <a:shade val="90000"/>
+                <a:lumMod val="103000"/>
+              </a:schemeClr>
+            </a:gs>
+            <a:gs pos="100000">
+              <a:schemeClr val="phClr">
+                <a:shade val="63000"/>
+                <a:satMod val="120000"/>
+              </a:schemeClr>
+            </a:gs>
+          </a:gsLst>
+          <a:lin ang="5400000" scaled="0"/>
+        </a:gradFill>
+      </a:bgFillStyleLst>
+    </a:fmtScheme>
+  </a:themeElements>
+  <a:objectDefaults/>
+  <a:extraClrSchemeLst/>
+  <a:extLst>
+    <a:ext uri="{05A4C25C-085E-4340-85A3-A5531E510DB2}">
+      <thm15:themeFamily xmlns:thm15="http://schemas.microsoft.com/office/thememl/2012/main" name="Office Theme" id="{62F939B6-93AF-4DB8-9C6B-D6C7DFDC589F}" vid="{4A3C46E8-61CC-4603-A589-7422A47A8E4A}"/>
+    </a:ext>
+  </a:extLst>
+</a:theme>
 </file>